--- a/CS347 PROJECT PRESENTATION.pptx
+++ b/CS347 PROJECT PRESENTATION.pptx
@@ -22,6 +22,7 @@
     <p:sldId id="267" r:id="rId17"/>
     <p:sldId id="268" r:id="rId18"/>
     <p:sldId id="269" r:id="rId19"/>
+    <p:sldId id="270" r:id="rId20"/>
   </p:sldIdLst>
   <p:sldSz cy="6858000" cx="9144000"/>
   <p:notesSz cx="6858000" cy="9144000"/>
@@ -708,7 +709,7 @@
   <p:cSld>
     <p:spTree>
       <p:nvGrpSpPr>
-        <p:cNvPr id="115" name="Shape 115"/>
+        <p:cNvPr id="116" name="Shape 116"/>
         <p:cNvGrpSpPr/>
         <p:nvPr/>
       </p:nvGrpSpPr>
@@ -722,7 +723,7 @@
       </p:grpSpPr>
       <p:sp>
         <p:nvSpPr>
-          <p:cNvPr id="116" name="Shape 116"/>
+          <p:cNvPr id="117" name="Shape 117"/>
           <p:cNvSpPr/>
           <p:nvPr>
             <p:ph idx="2" type="sldImg"/>
@@ -766,7 +767,7 @@
       </p:sp>
       <p:sp>
         <p:nvSpPr>
-          <p:cNvPr id="117" name="Shape 117"/>
+          <p:cNvPr id="118" name="Shape 118"/>
           <p:cNvSpPr txBox="1"/>
           <p:nvPr>
             <p:ph idx="1" type="body"/>
@@ -813,7 +814,7 @@
   <p:cSld>
     <p:spTree>
       <p:nvGrpSpPr>
-        <p:cNvPr id="122" name="Shape 122"/>
+        <p:cNvPr id="121" name="Shape 121"/>
         <p:cNvGrpSpPr/>
         <p:nvPr/>
       </p:nvGrpSpPr>
@@ -827,7 +828,7 @@
       </p:grpSpPr>
       <p:sp>
         <p:nvSpPr>
-          <p:cNvPr id="123" name="Shape 123"/>
+          <p:cNvPr id="122" name="Shape 122"/>
           <p:cNvSpPr/>
           <p:nvPr>
             <p:ph idx="2" type="sldImg"/>
@@ -871,7 +872,7 @@
       </p:sp>
       <p:sp>
         <p:nvSpPr>
-          <p:cNvPr id="124" name="Shape 124"/>
+          <p:cNvPr id="123" name="Shape 123"/>
           <p:cNvSpPr txBox="1"/>
           <p:nvPr>
             <p:ph idx="1" type="body"/>
@@ -918,7 +919,7 @@
   <p:cSld>
     <p:spTree>
       <p:nvGrpSpPr>
-        <p:cNvPr id="133" name="Shape 133"/>
+        <p:cNvPr id="128" name="Shape 128"/>
         <p:cNvGrpSpPr/>
         <p:nvPr/>
       </p:nvGrpSpPr>
@@ -932,7 +933,7 @@
       </p:grpSpPr>
       <p:sp>
         <p:nvSpPr>
-          <p:cNvPr id="134" name="Shape 134"/>
+          <p:cNvPr id="129" name="Shape 129"/>
           <p:cNvSpPr/>
           <p:nvPr>
             <p:ph idx="2" type="sldImg"/>
@@ -976,7 +977,112 @@
       </p:sp>
       <p:sp>
         <p:nvSpPr>
-          <p:cNvPr id="135" name="Shape 135"/>
+          <p:cNvPr id="130" name="Shape 130"/>
+          <p:cNvSpPr txBox="1"/>
+          <p:nvPr>
+            <p:ph idx="1" type="body"/>
+          </p:nvPr>
+        </p:nvSpPr>
+        <p:spPr>
+          <a:xfrm>
+            <a:off x="685800" y="4343400"/>
+            <a:ext cx="5486399" cy="4114800"/>
+          </a:xfrm>
+          <a:prstGeom prst="rect">
+            <a:avLst/>
+          </a:prstGeom>
+        </p:spPr>
+        <p:txBody>
+          <a:bodyPr anchorCtr="0" anchor="t" bIns="91425" lIns="91425" rIns="91425" tIns="91425">
+            <a:noAutofit/>
+          </a:bodyPr>
+          <a:lstStyle/>
+          <a:p>
+            <a:pPr>
+              <a:spcBef>
+                <a:spcPts val="0"/>
+              </a:spcBef>
+              <a:buNone/>
+            </a:pPr>
+            <a:r>
+              <a:t/>
+            </a:r>
+            <a:endParaRPr/>
+          </a:p>
+        </p:txBody>
+      </p:sp>
+    </p:spTree>
+  </p:cSld>
+  <p:clrMapOvr>
+    <a:masterClrMapping/>
+  </p:clrMapOvr>
+</p:notes>
+</file>
+
+<file path=ppt/notesSlides/notesSlide15.xml><?xml version="1.0" encoding="utf-8"?>
+<p:notes xmlns:a="http://schemas.openxmlformats.org/drawingml/2006/main" xmlns:r="http://schemas.openxmlformats.org/officeDocument/2006/relationships" xmlns:mc="http://schemas.openxmlformats.org/markup-compatibility/2006" xmlns:mv="urn:schemas-microsoft-com:mac:vml" xmlns:p="http://schemas.openxmlformats.org/presentationml/2006/main" xmlns:c="http://schemas.openxmlformats.org/drawingml/2006/chart" xmlns:dgm="http://schemas.openxmlformats.org/drawingml/2006/diagram" xmlns:o="urn:schemas-microsoft-com:office:office" xmlns:v="urn:schemas-microsoft-com:vml" xmlns:pvml="urn:schemas-microsoft-com:office:powerpoint" xmlns:com="http://schemas.openxmlformats.org/drawingml/2006/compatibility" xmlns:p14="http://schemas.microsoft.com/office/powerpoint/2010/main" showMasterPhAnim="0" showMasterSp="0">
+  <p:cSld>
+    <p:spTree>
+      <p:nvGrpSpPr>
+        <p:cNvPr id="139" name="Shape 139"/>
+        <p:cNvGrpSpPr/>
+        <p:nvPr/>
+      </p:nvGrpSpPr>
+      <p:grpSpPr>
+        <a:xfrm>
+          <a:off x="0" y="0"/>
+          <a:ext cx="0" cy="0"/>
+          <a:chOff x="0" y="0"/>
+          <a:chExt cx="0" cy="0"/>
+        </a:xfrm>
+      </p:grpSpPr>
+      <p:sp>
+        <p:nvSpPr>
+          <p:cNvPr id="140" name="Shape 140"/>
+          <p:cNvSpPr/>
+          <p:nvPr>
+            <p:ph idx="2" type="sldImg"/>
+          </p:nvPr>
+        </p:nvSpPr>
+        <p:spPr>
+          <a:xfrm>
+            <a:off x="1143225" y="685800"/>
+            <a:ext cx="4572299" cy="3429000"/>
+          </a:xfrm>
+          <a:custGeom>
+            <a:pathLst>
+              <a:path extrusionOk="0" h="120000" w="120000">
+                <a:moveTo>
+                  <a:pt x="0" y="0"/>
+                </a:moveTo>
+                <a:lnTo>
+                  <a:pt x="120000" y="0"/>
+                </a:lnTo>
+                <a:lnTo>
+                  <a:pt x="120000" y="120000"/>
+                </a:lnTo>
+                <a:lnTo>
+                  <a:pt x="0" y="120000"/>
+                </a:lnTo>
+                <a:close/>
+              </a:path>
+            </a:pathLst>
+          </a:custGeom>
+          <a:noFill/>
+          <a:ln cap="flat" w="9525">
+            <a:solidFill>
+              <a:srgbClr val="000000"/>
+            </a:solidFill>
+            <a:prstDash val="solid"/>
+            <a:round/>
+            <a:headEnd len="med" w="med" type="none"/>
+            <a:tailEnd len="med" w="med" type="none"/>
+          </a:ln>
+        </p:spPr>
+      </p:sp>
+      <p:sp>
+        <p:nvSpPr>
+          <p:cNvPr id="141" name="Shape 141"/>
           <p:cNvSpPr txBox="1"/>
           <p:nvPr>
             <p:ph idx="1" type="body"/>
@@ -4869,7 +4975,68 @@
             </a:pPr>
             <a:r>
               <a:rPr lang="en"/>
-              <a:t>BACKUP SLIDES</a:t>
+              <a:t>Known Bugs</a:t>
+            </a:r>
+          </a:p>
+        </p:txBody>
+      </p:sp>
+      <p:sp>
+        <p:nvSpPr>
+          <p:cNvPr id="115" name="Shape 115"/>
+          <p:cNvSpPr txBox="1"/>
+          <p:nvPr>
+            <p:ph idx="1" type="body"/>
+          </p:nvPr>
+        </p:nvSpPr>
+        <p:spPr>
+          <a:xfrm>
+            <a:off x="457200" y="1600200"/>
+            <a:ext cx="8229600" cy="4967700"/>
+          </a:xfrm>
+          <a:prstGeom prst="rect">
+            <a:avLst/>
+          </a:prstGeom>
+        </p:spPr>
+        <p:txBody>
+          <a:bodyPr anchorCtr="0" anchor="t" bIns="91425" lIns="91425" rIns="91425" tIns="91425">
+            <a:noAutofit/>
+          </a:bodyPr>
+          <a:lstStyle/>
+          <a:p>
+            <a:pPr indent="-317500" lvl="0" marL="457200" rtl="0">
+              <a:spcBef>
+                <a:spcPts val="0"/>
+              </a:spcBef>
+              <a:buClr>
+                <a:schemeClr val="dk2"/>
+              </a:buClr>
+              <a:buSzPct val="100000"/>
+              <a:buFont typeface="Arial"/>
+              <a:buChar char="●"/>
+            </a:pPr>
+            <a:r>
+              <a:rPr lang="en" sz="1400"/>
+              <a:t>MAJOR: Committing either of the shuttles clears the selection for the other shuttle.  This appears to be an APEX issue as both of the submit processes are conditional on the specific button.  Somehow during the commit, the page refresh is commiting the other shuttles selection when it’s in the intermediate step of just loading the full list of members (before the members are moved to the right side of the shuttle)</a:t>
+            </a:r>
+            <a:br>
+              <a:rPr lang="en" sz="1400"/>
+            </a:br>
+          </a:p>
+          <a:p>
+            <a:pPr indent="-317500" lvl="0" marL="457200">
+              <a:spcBef>
+                <a:spcPts val="0"/>
+              </a:spcBef>
+              <a:buClr>
+                <a:schemeClr val="dk2"/>
+              </a:buClr>
+              <a:buSzPct val="100000"/>
+              <a:buFont typeface="Arial"/>
+              <a:buChar char="●"/>
+            </a:pPr>
+            <a:r>
+              <a:rPr lang="en" sz="1400"/>
+              <a:t>MINOR: Cloning memberships doesn’t filter out already existing memberships so you can get duplicate memberships</a:t>
             </a:r>
           </a:p>
         </p:txBody>
@@ -4890,7 +5057,7 @@
   <p:cSld>
     <p:spTree>
       <p:nvGrpSpPr>
-        <p:cNvPr id="118" name="Shape 118"/>
+        <p:cNvPr id="119" name="Shape 119"/>
         <p:cNvGrpSpPr/>
         <p:nvPr/>
       </p:nvGrpSpPr>
@@ -4904,7 +5071,7 @@
       </p:grpSpPr>
       <p:sp>
         <p:nvSpPr>
-          <p:cNvPr id="119" name="Shape 119"/>
+          <p:cNvPr id="120" name="Shape 120"/>
           <p:cNvSpPr txBox="1"/>
           <p:nvPr>
             <p:ph type="title"/>
@@ -4933,97 +5100,11 @@
             </a:pPr>
             <a:r>
               <a:rPr lang="en"/>
-              <a:t>Conceptual Model B</a:t>
+              <a:t>BACKUP SLIDES</a:t>
             </a:r>
           </a:p>
         </p:txBody>
       </p:sp>
-      <p:sp>
-        <p:nvSpPr>
-          <p:cNvPr id="120" name="Shape 120"/>
-          <p:cNvSpPr txBox="1"/>
-          <p:nvPr>
-            <p:ph idx="1" type="body"/>
-          </p:nvPr>
-        </p:nvSpPr>
-        <p:spPr>
-          <a:xfrm>
-            <a:off x="457200" y="1600200"/>
-            <a:ext cx="8229600" cy="4967700"/>
-          </a:xfrm>
-          <a:prstGeom prst="rect">
-            <a:avLst/>
-          </a:prstGeom>
-        </p:spPr>
-        <p:txBody>
-          <a:bodyPr anchorCtr="0" anchor="t" bIns="91425" lIns="91425" rIns="91425" tIns="91425">
-            <a:noAutofit/>
-          </a:bodyPr>
-          <a:lstStyle/>
-          <a:p>
-            <a:pPr indent="-317500" lvl="0" marL="457200" rtl="0">
-              <a:spcBef>
-                <a:spcPts val="0"/>
-              </a:spcBef>
-              <a:buClr>
-                <a:schemeClr val="dk2"/>
-              </a:buClr>
-              <a:buSzPct val="100000"/>
-              <a:buFont typeface="Arial"/>
-              <a:buChar char="●"/>
-            </a:pPr>
-            <a:r>
-              <a:rPr lang="en" sz="1400"/>
-              <a:t>Use inheritance to model “member” hierarchy</a:t>
-            </a:r>
-          </a:p>
-          <a:p>
-            <a:pPr indent="-317500" lvl="0" marL="457200">
-              <a:spcBef>
-                <a:spcPts val="0"/>
-              </a:spcBef>
-              <a:buClr>
-                <a:schemeClr val="dk2"/>
-              </a:buClr>
-              <a:buSzPct val="100000"/>
-              <a:buFont typeface="Arial"/>
-              <a:buChar char="●"/>
-            </a:pPr>
-            <a:r>
-              <a:rPr lang="en" sz="1400"/>
-              <a:t>Downside is it creates a new member table that is unnecessary and can be simplified down to the same thing as logical model A (explained in next slide) </a:t>
-            </a:r>
-          </a:p>
-        </p:txBody>
-      </p:sp>
-      <p:pic>
-        <p:nvPicPr>
-          <p:cNvPr id="121" name="Shape 121"/>
-          <p:cNvPicPr preferRelativeResize="0"/>
-          <p:nvPr/>
-        </p:nvPicPr>
-        <p:blipFill>
-          <a:blip r:embed="rId3">
-            <a:alphaModFix/>
-          </a:blip>
-          <a:stretch>
-            <a:fillRect/>
-          </a:stretch>
-        </p:blipFill>
-        <p:spPr>
-          <a:xfrm>
-            <a:off x="1736700" y="2558475"/>
-            <a:ext cx="5670599" cy="3926300"/>
-          </a:xfrm>
-          <a:prstGeom prst="rect">
-            <a:avLst/>
-          </a:prstGeom>
-          <a:noFill/>
-          <a:ln>
-            <a:noFill/>
-          </a:ln>
-        </p:spPr>
-      </p:pic>
     </p:spTree>
   </p:cSld>
   <p:clrMapOvr>
@@ -5040,7 +5121,7 @@
   <p:cSld>
     <p:spTree>
       <p:nvGrpSpPr>
-        <p:cNvPr id="125" name="Shape 125"/>
+        <p:cNvPr id="124" name="Shape 124"/>
         <p:cNvGrpSpPr/>
         <p:nvPr/>
       </p:nvGrpSpPr>
@@ -5054,7 +5135,7 @@
       </p:grpSpPr>
       <p:sp>
         <p:nvSpPr>
-          <p:cNvPr id="126" name="Shape 126"/>
+          <p:cNvPr id="125" name="Shape 125"/>
           <p:cNvSpPr txBox="1"/>
           <p:nvPr>
             <p:ph type="title"/>
@@ -5083,14 +5164,14 @@
             </a:pPr>
             <a:r>
               <a:rPr lang="en"/>
-              <a:t>Logical Model B</a:t>
+              <a:t>Conceptual Model B</a:t>
             </a:r>
           </a:p>
         </p:txBody>
       </p:sp>
       <p:sp>
         <p:nvSpPr>
-          <p:cNvPr id="127" name="Shape 127"/>
+          <p:cNvPr id="126" name="Shape 126"/>
           <p:cNvSpPr txBox="1"/>
           <p:nvPr>
             <p:ph idx="1" type="body"/>
@@ -5119,16 +5200,16 @@
                 <a:schemeClr val="dk2"/>
               </a:buClr>
               <a:buSzPct val="100000"/>
-              <a:buFont typeface="Trebuchet MS"/>
-              <a:buAutoNum type="arabicPeriod"/>
+              <a:buFont typeface="Arial"/>
+              <a:buChar char="●"/>
             </a:pPr>
             <a:r>
               <a:rPr lang="en" sz="1400"/>
-              <a:t>Collapse the member hierarchy</a:t>
-            </a:r>
-          </a:p>
-          <a:p>
-            <a:pPr indent="-317500" lvl="0" marL="457200" rtl="0">
+              <a:t>Use inheritance to model “member” hierarchy</a:t>
+            </a:r>
+          </a:p>
+          <a:p>
+            <a:pPr indent="-317500" lvl="0" marL="457200">
               <a:spcBef>
                 <a:spcPts val="0"/>
               </a:spcBef>
@@ -5136,44 +5217,19 @@
                 <a:schemeClr val="dk2"/>
               </a:buClr>
               <a:buSzPct val="100000"/>
-              <a:buFont typeface="Trebuchet MS"/>
-              <a:buAutoNum type="arabicPeriod"/>
+              <a:buFont typeface="Arial"/>
+              <a:buChar char="●"/>
             </a:pPr>
             <a:r>
               <a:rPr lang="en" sz="1400"/>
-              <a:t>Add junction table for M:N relationship</a:t>
-            </a:r>
-          </a:p>
-          <a:p>
-            <a:pPr indent="-317500" lvl="0" marL="457200">
-              <a:spcBef>
-                <a:spcPts val="0"/>
-              </a:spcBef>
-              <a:buClr>
-                <a:schemeClr val="dk2"/>
-              </a:buClr>
-              <a:buSzPct val="100000"/>
-              <a:buFont typeface="Trebuchet MS"/>
-              <a:buAutoNum type="arabicPeriod"/>
-            </a:pPr>
-            <a:r>
-              <a:rPr lang="en" sz="1400"/>
-              <a:t>Notice that ARL_Member can be coalesced into ARL_NL2M and </a:t>
-            </a:r>
-            <a:r>
-              <a:rPr b="1" lang="en" sz="1400"/>
-              <a:t>type</a:t>
-            </a:r>
-            <a:r>
-              <a:rPr lang="en" sz="1400"/>
-              <a:t> can be made implicit by using employee_id OR notice_list_id.  This change brings us back to logical model A.  (It doesn’t seem like there are any downsides to doing this UNLESS we need to have views into the junction table to guarantee that the right id attribute is filled in.)</a:t>
+              <a:t>Downside is it creates a new member table that is unnecessary and can be simplified down to the same thing as logical model A (explained in next slide) </a:t>
             </a:r>
           </a:p>
         </p:txBody>
       </p:sp>
       <p:pic>
         <p:nvPicPr>
-          <p:cNvPr id="128" name="Shape 128"/>
+          <p:cNvPr id="127" name="Shape 127"/>
           <p:cNvPicPr preferRelativeResize="0"/>
           <p:nvPr/>
         </p:nvPicPr>
@@ -5187,8 +5243,8 @@
         </p:blipFill>
         <p:spPr>
           <a:xfrm>
-            <a:off x="357025" y="3295225"/>
-            <a:ext cx="3969650" cy="3105150"/>
+            <a:off x="1736700" y="2558475"/>
+            <a:ext cx="5670599" cy="3926300"/>
           </a:xfrm>
           <a:prstGeom prst="rect">
             <a:avLst/>
@@ -5199,9 +5255,184 @@
           </a:ln>
         </p:spPr>
       </p:pic>
+    </p:spTree>
+  </p:cSld>
+  <p:clrMapOvr>
+    <a:masterClrMapping/>
+  </p:clrMapOvr>
+  <p:transition spd="slow">
+    <p:cut/>
+  </p:transition>
+</p:sld>
+</file>
+
+<file path=ppt/slides/slide15.xml><?xml version="1.0" encoding="utf-8"?>
+<p:sld xmlns:a="http://schemas.openxmlformats.org/drawingml/2006/main" xmlns:r="http://schemas.openxmlformats.org/officeDocument/2006/relationships" xmlns:mc="http://schemas.openxmlformats.org/markup-compatibility/2006" xmlns:mv="urn:schemas-microsoft-com:mac:vml" xmlns:p="http://schemas.openxmlformats.org/presentationml/2006/main" xmlns:c="http://schemas.openxmlformats.org/drawingml/2006/chart" xmlns:dgm="http://schemas.openxmlformats.org/drawingml/2006/diagram" xmlns:o="urn:schemas-microsoft-com:office:office" xmlns:v="urn:schemas-microsoft-com:vml" xmlns:pvml="urn:schemas-microsoft-com:office:powerpoint" xmlns:com="http://schemas.openxmlformats.org/drawingml/2006/compatibility" xmlns:p14="http://schemas.microsoft.com/office/powerpoint/2010/main">
+  <p:cSld>
+    <p:spTree>
+      <p:nvGrpSpPr>
+        <p:cNvPr id="131" name="Shape 131"/>
+        <p:cNvGrpSpPr/>
+        <p:nvPr/>
+      </p:nvGrpSpPr>
+      <p:grpSpPr>
+        <a:xfrm>
+          <a:off x="0" y="0"/>
+          <a:ext cx="0" cy="0"/>
+          <a:chOff x="0" y="0"/>
+          <a:chExt cx="0" cy="0"/>
+        </a:xfrm>
+      </p:grpSpPr>
+      <p:sp>
+        <p:nvSpPr>
+          <p:cNvPr id="132" name="Shape 132"/>
+          <p:cNvSpPr txBox="1"/>
+          <p:nvPr>
+            <p:ph type="title"/>
+          </p:nvPr>
+        </p:nvSpPr>
+        <p:spPr>
+          <a:xfrm>
+            <a:off x="457200" y="274637"/>
+            <a:ext cx="8229600" cy="1143299"/>
+          </a:xfrm>
+          <a:prstGeom prst="rect">
+            <a:avLst/>
+          </a:prstGeom>
+        </p:spPr>
+        <p:txBody>
+          <a:bodyPr anchorCtr="0" anchor="b" bIns="91425" lIns="91425" rIns="91425" tIns="91425">
+            <a:noAutofit/>
+          </a:bodyPr>
+          <a:lstStyle/>
+          <a:p>
+            <a:pPr>
+              <a:spcBef>
+                <a:spcPts val="0"/>
+              </a:spcBef>
+              <a:buNone/>
+            </a:pPr>
+            <a:r>
+              <a:rPr lang="en"/>
+              <a:t>Logical Model B</a:t>
+            </a:r>
+          </a:p>
+        </p:txBody>
+      </p:sp>
+      <p:sp>
+        <p:nvSpPr>
+          <p:cNvPr id="133" name="Shape 133"/>
+          <p:cNvSpPr txBox="1"/>
+          <p:nvPr>
+            <p:ph idx="1" type="body"/>
+          </p:nvPr>
+        </p:nvSpPr>
+        <p:spPr>
+          <a:xfrm>
+            <a:off x="457200" y="1600200"/>
+            <a:ext cx="8229600" cy="4967700"/>
+          </a:xfrm>
+          <a:prstGeom prst="rect">
+            <a:avLst/>
+          </a:prstGeom>
+        </p:spPr>
+        <p:txBody>
+          <a:bodyPr anchorCtr="0" anchor="t" bIns="91425" lIns="91425" rIns="91425" tIns="91425">
+            <a:noAutofit/>
+          </a:bodyPr>
+          <a:lstStyle/>
+          <a:p>
+            <a:pPr indent="-317500" lvl="0" marL="457200" rtl="0">
+              <a:spcBef>
+                <a:spcPts val="0"/>
+              </a:spcBef>
+              <a:buClr>
+                <a:schemeClr val="dk2"/>
+              </a:buClr>
+              <a:buSzPct val="100000"/>
+              <a:buFont typeface="Trebuchet MS"/>
+              <a:buAutoNum type="arabicPeriod"/>
+            </a:pPr>
+            <a:r>
+              <a:rPr lang="en" sz="1400"/>
+              <a:t>Collapse the member hierarchy</a:t>
+            </a:r>
+          </a:p>
+          <a:p>
+            <a:pPr indent="-317500" lvl="0" marL="457200" rtl="0">
+              <a:spcBef>
+                <a:spcPts val="0"/>
+              </a:spcBef>
+              <a:buClr>
+                <a:schemeClr val="dk2"/>
+              </a:buClr>
+              <a:buSzPct val="100000"/>
+              <a:buFont typeface="Trebuchet MS"/>
+              <a:buAutoNum type="arabicPeriod"/>
+            </a:pPr>
+            <a:r>
+              <a:rPr lang="en" sz="1400"/>
+              <a:t>Add junction table for M:N relationship</a:t>
+            </a:r>
+          </a:p>
+          <a:p>
+            <a:pPr indent="-317500" lvl="0" marL="457200">
+              <a:spcBef>
+                <a:spcPts val="0"/>
+              </a:spcBef>
+              <a:buClr>
+                <a:schemeClr val="dk2"/>
+              </a:buClr>
+              <a:buSzPct val="100000"/>
+              <a:buFont typeface="Trebuchet MS"/>
+              <a:buAutoNum type="arabicPeriod"/>
+            </a:pPr>
+            <a:r>
+              <a:rPr lang="en" sz="1400"/>
+              <a:t>Notice that ARL_Member can be coalesced into ARL_NL2M and </a:t>
+            </a:r>
+            <a:r>
+              <a:rPr b="1" lang="en" sz="1400"/>
+              <a:t>type</a:t>
+            </a:r>
+            <a:r>
+              <a:rPr lang="en" sz="1400"/>
+              <a:t> can be made implicit by using employee_id OR notice_list_id.  This change brings us back to logical model A.  (It doesn’t seem like there are any downsides to doing this UNLESS we need to have views into the junction table to guarantee that the right id attribute is filled in.)</a:t>
+            </a:r>
+          </a:p>
+        </p:txBody>
+      </p:sp>
       <p:pic>
         <p:nvPicPr>
-          <p:cNvPr id="129" name="Shape 129"/>
+          <p:cNvPr id="134" name="Shape 134"/>
+          <p:cNvPicPr preferRelativeResize="0"/>
+          <p:nvPr/>
+        </p:nvPicPr>
+        <p:blipFill>
+          <a:blip r:embed="rId3">
+            <a:alphaModFix/>
+          </a:blip>
+          <a:stretch>
+            <a:fillRect/>
+          </a:stretch>
+        </p:blipFill>
+        <p:spPr>
+          <a:xfrm>
+            <a:off x="357025" y="3295225"/>
+            <a:ext cx="3969650" cy="3105150"/>
+          </a:xfrm>
+          <a:prstGeom prst="rect">
+            <a:avLst/>
+          </a:prstGeom>
+          <a:noFill/>
+          <a:ln>
+            <a:noFill/>
+          </a:ln>
+        </p:spPr>
+      </p:pic>
+      <p:pic>
+        <p:nvPicPr>
+          <p:cNvPr id="135" name="Shape 135"/>
           <p:cNvPicPr preferRelativeResize="0"/>
           <p:nvPr/>
         </p:nvPicPr>
@@ -5229,7 +5460,7 @@
       </p:pic>
       <p:sp>
         <p:nvSpPr>
-          <p:cNvPr id="130" name="Shape 130"/>
+          <p:cNvPr id="136" name="Shape 136"/>
           <p:cNvSpPr/>
           <p:nvPr/>
         </p:nvSpPr>
@@ -5272,7 +5503,7 @@
       </p:sp>
       <p:sp>
         <p:nvSpPr>
-          <p:cNvPr id="131" name="Shape 131"/>
+          <p:cNvPr id="137" name="Shape 137"/>
           <p:cNvSpPr/>
           <p:nvPr/>
         </p:nvSpPr>
@@ -5315,7 +5546,7 @@
       </p:sp>
       <p:sp>
         <p:nvSpPr>
-          <p:cNvPr id="132" name="Shape 132"/>
+          <p:cNvPr id="138" name="Shape 138"/>
           <p:cNvSpPr/>
           <p:nvPr/>
         </p:nvSpPr>
@@ -6980,283 +7211,6 @@
 </file>
 
 <file path=ppt/theme/theme2.xml><?xml version="1.0" encoding="utf-8"?>
-<a:theme xmlns:a="http://schemas.openxmlformats.org/drawingml/2006/main" xmlns:r="http://schemas.openxmlformats.org/officeDocument/2006/relationships" name="Custom Theme">
-  <a:themeElements>
-    <a:clrScheme name="Default">
-      <a:dk1>
-        <a:srgbClr val="000000"/>
-      </a:dk1>
-      <a:lt1>
-        <a:srgbClr val="FFFFFF"/>
-      </a:lt1>
-      <a:dk2>
-        <a:srgbClr val="158158"/>
-      </a:dk2>
-      <a:lt2>
-        <a:srgbClr val="F3F3F3"/>
-      </a:lt2>
-      <a:accent1>
-        <a:srgbClr val="058DC7"/>
-      </a:accent1>
-      <a:accent2>
-        <a:srgbClr val="50B432"/>
-      </a:accent2>
-      <a:accent3>
-        <a:srgbClr val="ED561B"/>
-      </a:accent3>
-      <a:accent4>
-        <a:srgbClr val="EDEF00"/>
-      </a:accent4>
-      <a:accent5>
-        <a:srgbClr val="24CBE5"/>
-      </a:accent5>
-      <a:accent6>
-        <a:srgbClr val="64E572"/>
-      </a:accent6>
-      <a:hlink>
-        <a:srgbClr val="2200CC"/>
-      </a:hlink>
-      <a:folHlink>
-        <a:srgbClr val="551A8B"/>
-      </a:folHlink>
-    </a:clrScheme>
-    <a:fontScheme name="Office">
-      <a:majorFont>
-        <a:latin typeface="Arial"/>
-        <a:ea typeface=""/>
-        <a:cs typeface=""/>
-        <a:font script="Jpan" typeface="ＭＳ Ｐゴシック"/>
-        <a:font script="Hang" typeface="맑은 고딕"/>
-        <a:font script="Hans" typeface="宋体"/>
-        <a:font script="Hant" typeface="新細明體"/>
-        <a:font script="Arab" typeface="Times New Roman"/>
-        <a:font script="Hebr" typeface="Times New Roman"/>
-        <a:font script="Thai" typeface="Angsana New"/>
-        <a:font script="Ethi" typeface="Nyala"/>
-        <a:font script="Beng" typeface="Vrinda"/>
-        <a:font script="Gujr" typeface="Shruti"/>
-        <a:font script="Khmr" typeface="MoolBoran"/>
-        <a:font script="Knda" typeface="Tunga"/>
-        <a:font script="Guru" typeface="Raavi"/>
-        <a:font script="Cans" typeface="Euphemia"/>
-        <a:font script="Cher" typeface="Plantagenet Cherokee"/>
-        <a:font script="Yiii" typeface="Microsoft Yi Baiti"/>
-        <a:font script="Tibt" typeface="Microsoft Himalaya"/>
-        <a:font script="Thaa" typeface="MV Boli"/>
-        <a:font script="Deva" typeface="Mangal"/>
-        <a:font script="Telu" typeface="Gautami"/>
-        <a:font script="Taml" typeface="Latha"/>
-        <a:font script="Syrc" typeface="Estrangelo Edessa"/>
-        <a:font script="Orya" typeface="Kalinga"/>
-        <a:font script="Mlym" typeface="Kartika"/>
-        <a:font script="Laoo" typeface="DokChampa"/>
-        <a:font script="Sinh" typeface="Iskoola Pota"/>
-        <a:font script="Mong" typeface="Mongolian Baiti"/>
-        <a:font script="Viet" typeface="Times New Roman"/>
-        <a:font script="Uigh" typeface="Microsoft Uighur"/>
-      </a:majorFont>
-      <a:minorFont>
-        <a:latin typeface="Arial"/>
-        <a:ea typeface=""/>
-        <a:cs typeface=""/>
-        <a:font script="Jpan" typeface="ＭＳ Ｐゴシック"/>
-        <a:font script="Hang" typeface="맑은 고딕"/>
-        <a:font script="Hans" typeface="宋体"/>
-        <a:font script="Hant" typeface="新細明體"/>
-        <a:font script="Arab" typeface="Times New Roman"/>
-        <a:font script="Hebr" typeface="Times New Roman"/>
-        <a:font script="Thai" typeface="Angsana New"/>
-        <a:font script="Ethi" typeface="Nyala"/>
-        <a:font script="Beng" typeface="Vrinda"/>
-        <a:font script="Gujr" typeface="Shruti"/>
-        <a:font script="Khmr" typeface="MoolBoran"/>
-        <a:font script="Knda" typeface="Tunga"/>
-        <a:font script="Guru" typeface="Raavi"/>
-        <a:font script="Cans" typeface="Euphemia"/>
-        <a:font script="Cher" typeface="Plantagenet Cherokee"/>
-        <a:font script="Yiii" typeface="Microsoft Yi Baiti"/>
-        <a:font script="Tibt" typeface="Microsoft Himalaya"/>
-        <a:font script="Thaa" typeface="MV Boli"/>
-        <a:font script="Deva" typeface="Mangal"/>
-        <a:font script="Telu" typeface="Gautami"/>
-        <a:font script="Taml" typeface="Latha"/>
-        <a:font script="Syrc" typeface="Estrangelo Edessa"/>
-        <a:font script="Orya" typeface="Kalinga"/>
-        <a:font script="Mlym" typeface="Kartika"/>
-        <a:font script="Laoo" typeface="DokChampa"/>
-        <a:font script="Sinh" typeface="Iskoola Pota"/>
-        <a:font script="Mong" typeface="Mongolian Baiti"/>
-        <a:font script="Viet" typeface="Times New Roman"/>
-        <a:font script="Uigh" typeface="Microsoft Uighur"/>
-      </a:minorFont>
-    </a:fontScheme>
-    <a:fmtScheme name="Office">
-      <a:fillStyleLst>
-        <a:solidFill>
-          <a:schemeClr val="phClr"/>
-        </a:solidFill>
-        <a:gradFill rotWithShape="1">
-          <a:gsLst>
-            <a:gs pos="0">
-              <a:schemeClr val="phClr">
-                <a:tint val="50000"/>
-                <a:satMod val="300000"/>
-              </a:schemeClr>
-            </a:gs>
-            <a:gs pos="35000">
-              <a:schemeClr val="phClr">
-                <a:tint val="37000"/>
-                <a:satMod val="300000"/>
-              </a:schemeClr>
-            </a:gs>
-            <a:gs pos="100000">
-              <a:schemeClr val="phClr">
-                <a:tint val="15000"/>
-                <a:satMod val="350000"/>
-              </a:schemeClr>
-            </a:gs>
-          </a:gsLst>
-          <a:lin ang="16200000" scaled="1"/>
-        </a:gradFill>
-        <a:gradFill rotWithShape="1">
-          <a:gsLst>
-            <a:gs pos="0">
-              <a:schemeClr val="phClr">
-                <a:tint val="100000"/>
-                <a:shade val="100000"/>
-                <a:satMod val="130000"/>
-              </a:schemeClr>
-            </a:gs>
-            <a:gs pos="100000">
-              <a:schemeClr val="phClr">
-                <a:tint val="50000"/>
-                <a:shade val="100000"/>
-                <a:satMod val="350000"/>
-              </a:schemeClr>
-            </a:gs>
-          </a:gsLst>
-          <a:lin ang="16200000" scaled="0"/>
-        </a:gradFill>
-      </a:fillStyleLst>
-      <a:lnStyleLst>
-        <a:ln cap="flat" cmpd="sng" w="9525" algn="ctr">
-          <a:solidFill>
-            <a:schemeClr val="phClr">
-              <a:shade val="95000"/>
-              <a:satMod val="105000"/>
-            </a:schemeClr>
-          </a:solidFill>
-          <a:prstDash val="solid"/>
-        </a:ln>
-        <a:ln cap="flat" cmpd="sng" w="25400" algn="ctr">
-          <a:solidFill>
-            <a:schemeClr val="phClr"/>
-          </a:solidFill>
-          <a:prstDash val="solid"/>
-        </a:ln>
-        <a:ln cap="flat" cmpd="sng" w="38100" algn="ctr">
-          <a:solidFill>
-            <a:schemeClr val="phClr"/>
-          </a:solidFill>
-          <a:prstDash val="solid"/>
-        </a:ln>
-      </a:lnStyleLst>
-      <a:effectStyleLst>
-        <a:effectStyle>
-          <a:effectLst>
-            <a:outerShdw blurRad="40000" rotWithShape="0" dir="5400000" dist="20000">
-              <a:srgbClr val="000000">
-                <a:alpha val="38000"/>
-              </a:srgbClr>
-            </a:outerShdw>
-          </a:effectLst>
-        </a:effectStyle>
-        <a:effectStyle>
-          <a:effectLst>
-            <a:outerShdw blurRad="40000" rotWithShape="0" dir="5400000" dist="23000">
-              <a:srgbClr val="000000">
-                <a:alpha val="35000"/>
-              </a:srgbClr>
-            </a:outerShdw>
-          </a:effectLst>
-        </a:effectStyle>
-        <a:effectStyle>
-          <a:effectLst>
-            <a:outerShdw blurRad="40000" rotWithShape="0" dir="5400000" dist="23000">
-              <a:srgbClr val="000000">
-                <a:alpha val="35000"/>
-              </a:srgbClr>
-            </a:outerShdw>
-          </a:effectLst>
-          <a:scene3d>
-            <a:camera prst="orthographicFront">
-              <a:rot lat="0" lon="0" rev="0"/>
-            </a:camera>
-            <a:lightRig dir="t" rig="threePt">
-              <a:rot lat="0" lon="0" rev="1200000"/>
-            </a:lightRig>
-          </a:scene3d>
-          <a:sp3d>
-            <a:bevelT h="25400" w="63500"/>
-          </a:sp3d>
-        </a:effectStyle>
-      </a:effectStyleLst>
-      <a:bgFillStyleLst>
-        <a:solidFill>
-          <a:schemeClr val="phClr"/>
-        </a:solidFill>
-        <a:gradFill rotWithShape="1">
-          <a:gsLst>
-            <a:gs pos="0">
-              <a:schemeClr val="phClr">
-                <a:tint val="40000"/>
-                <a:satMod val="350000"/>
-              </a:schemeClr>
-            </a:gs>
-            <a:gs pos="40000">
-              <a:schemeClr val="phClr">
-                <a:tint val="45000"/>
-                <a:shade val="99000"/>
-                <a:satMod val="350000"/>
-              </a:schemeClr>
-            </a:gs>
-            <a:gs pos="100000">
-              <a:schemeClr val="phClr">
-                <a:shade val="20000"/>
-                <a:satMod val="255000"/>
-              </a:schemeClr>
-            </a:gs>
-          </a:gsLst>
-          <a:path path="circle">
-            <a:fillToRect b="180000" l="50000" r="50000" t="-80000"/>
-          </a:path>
-        </a:gradFill>
-        <a:gradFill rotWithShape="1">
-          <a:gsLst>
-            <a:gs pos="0">
-              <a:schemeClr val="phClr">
-                <a:tint val="80000"/>
-                <a:satMod val="300000"/>
-              </a:schemeClr>
-            </a:gs>
-            <a:gs pos="100000">
-              <a:schemeClr val="phClr">
-                <a:shade val="30000"/>
-                <a:satMod val="200000"/>
-              </a:schemeClr>
-            </a:gs>
-          </a:gsLst>
-          <a:path path="circle">
-            <a:fillToRect b="50000" l="50000" r="50000" t="50000"/>
-          </a:path>
-        </a:gradFill>
-      </a:bgFillStyleLst>
-    </a:fmtScheme>
-  </a:themeElements>
-</a:theme>
-</file>
-
-<file path=ppt/theme/theme3.xml><?xml version="1.0" encoding="utf-8"?>
 <a:theme xmlns:a="http://schemas.openxmlformats.org/drawingml/2006/main" xmlns:r="http://schemas.openxmlformats.org/officeDocument/2006/relationships" name="Office Theme">
   <a:themeElements>
     <a:clrScheme name="Office">
@@ -7571,4 +7525,281 @@
     </a:lnDef>
   </a:objectDefaults>
 </a:theme>
+</file>
+
+<file path=ppt/theme/theme3.xml><?xml version="1.0" encoding="utf-8"?>
+<a:theme xmlns:a="http://schemas.openxmlformats.org/drawingml/2006/main" xmlns:r="http://schemas.openxmlformats.org/officeDocument/2006/relationships" name="Custom Theme">
+  <a:themeElements>
+    <a:clrScheme name="Default">
+      <a:dk1>
+        <a:srgbClr val="000000"/>
+      </a:dk1>
+      <a:lt1>
+        <a:srgbClr val="FFFFFF"/>
+      </a:lt1>
+      <a:dk2>
+        <a:srgbClr val="158158"/>
+      </a:dk2>
+      <a:lt2>
+        <a:srgbClr val="F3F3F3"/>
+      </a:lt2>
+      <a:accent1>
+        <a:srgbClr val="058DC7"/>
+      </a:accent1>
+      <a:accent2>
+        <a:srgbClr val="50B432"/>
+      </a:accent2>
+      <a:accent3>
+        <a:srgbClr val="ED561B"/>
+      </a:accent3>
+      <a:accent4>
+        <a:srgbClr val="EDEF00"/>
+      </a:accent4>
+      <a:accent5>
+        <a:srgbClr val="24CBE5"/>
+      </a:accent5>
+      <a:accent6>
+        <a:srgbClr val="64E572"/>
+      </a:accent6>
+      <a:hlink>
+        <a:srgbClr val="2200CC"/>
+      </a:hlink>
+      <a:folHlink>
+        <a:srgbClr val="551A8B"/>
+      </a:folHlink>
+    </a:clrScheme>
+    <a:fontScheme name="Office">
+      <a:majorFont>
+        <a:latin typeface="Arial"/>
+        <a:ea typeface=""/>
+        <a:cs typeface=""/>
+        <a:font script="Jpan" typeface="ＭＳ Ｐゴシック"/>
+        <a:font script="Hang" typeface="맑은 고딕"/>
+        <a:font script="Hans" typeface="宋体"/>
+        <a:font script="Hant" typeface="新細明體"/>
+        <a:font script="Arab" typeface="Times New Roman"/>
+        <a:font script="Hebr" typeface="Times New Roman"/>
+        <a:font script="Thai" typeface="Angsana New"/>
+        <a:font script="Ethi" typeface="Nyala"/>
+        <a:font script="Beng" typeface="Vrinda"/>
+        <a:font script="Gujr" typeface="Shruti"/>
+        <a:font script="Khmr" typeface="MoolBoran"/>
+        <a:font script="Knda" typeface="Tunga"/>
+        <a:font script="Guru" typeface="Raavi"/>
+        <a:font script="Cans" typeface="Euphemia"/>
+        <a:font script="Cher" typeface="Plantagenet Cherokee"/>
+        <a:font script="Yiii" typeface="Microsoft Yi Baiti"/>
+        <a:font script="Tibt" typeface="Microsoft Himalaya"/>
+        <a:font script="Thaa" typeface="MV Boli"/>
+        <a:font script="Deva" typeface="Mangal"/>
+        <a:font script="Telu" typeface="Gautami"/>
+        <a:font script="Taml" typeface="Latha"/>
+        <a:font script="Syrc" typeface="Estrangelo Edessa"/>
+        <a:font script="Orya" typeface="Kalinga"/>
+        <a:font script="Mlym" typeface="Kartika"/>
+        <a:font script="Laoo" typeface="DokChampa"/>
+        <a:font script="Sinh" typeface="Iskoola Pota"/>
+        <a:font script="Mong" typeface="Mongolian Baiti"/>
+        <a:font script="Viet" typeface="Times New Roman"/>
+        <a:font script="Uigh" typeface="Microsoft Uighur"/>
+      </a:majorFont>
+      <a:minorFont>
+        <a:latin typeface="Arial"/>
+        <a:ea typeface=""/>
+        <a:cs typeface=""/>
+        <a:font script="Jpan" typeface="ＭＳ Ｐゴシック"/>
+        <a:font script="Hang" typeface="맑은 고딕"/>
+        <a:font script="Hans" typeface="宋体"/>
+        <a:font script="Hant" typeface="新細明體"/>
+        <a:font script="Arab" typeface="Times New Roman"/>
+        <a:font script="Hebr" typeface="Times New Roman"/>
+        <a:font script="Thai" typeface="Angsana New"/>
+        <a:font script="Ethi" typeface="Nyala"/>
+        <a:font script="Beng" typeface="Vrinda"/>
+        <a:font script="Gujr" typeface="Shruti"/>
+        <a:font script="Khmr" typeface="MoolBoran"/>
+        <a:font script="Knda" typeface="Tunga"/>
+        <a:font script="Guru" typeface="Raavi"/>
+        <a:font script="Cans" typeface="Euphemia"/>
+        <a:font script="Cher" typeface="Plantagenet Cherokee"/>
+        <a:font script="Yiii" typeface="Microsoft Yi Baiti"/>
+        <a:font script="Tibt" typeface="Microsoft Himalaya"/>
+        <a:font script="Thaa" typeface="MV Boli"/>
+        <a:font script="Deva" typeface="Mangal"/>
+        <a:font script="Telu" typeface="Gautami"/>
+        <a:font script="Taml" typeface="Latha"/>
+        <a:font script="Syrc" typeface="Estrangelo Edessa"/>
+        <a:font script="Orya" typeface="Kalinga"/>
+        <a:font script="Mlym" typeface="Kartika"/>
+        <a:font script="Laoo" typeface="DokChampa"/>
+        <a:font script="Sinh" typeface="Iskoola Pota"/>
+        <a:font script="Mong" typeface="Mongolian Baiti"/>
+        <a:font script="Viet" typeface="Times New Roman"/>
+        <a:font script="Uigh" typeface="Microsoft Uighur"/>
+      </a:minorFont>
+    </a:fontScheme>
+    <a:fmtScheme name="Office">
+      <a:fillStyleLst>
+        <a:solidFill>
+          <a:schemeClr val="phClr"/>
+        </a:solidFill>
+        <a:gradFill rotWithShape="1">
+          <a:gsLst>
+            <a:gs pos="0">
+              <a:schemeClr val="phClr">
+                <a:tint val="50000"/>
+                <a:satMod val="300000"/>
+              </a:schemeClr>
+            </a:gs>
+            <a:gs pos="35000">
+              <a:schemeClr val="phClr">
+                <a:tint val="37000"/>
+                <a:satMod val="300000"/>
+              </a:schemeClr>
+            </a:gs>
+            <a:gs pos="100000">
+              <a:schemeClr val="phClr">
+                <a:tint val="15000"/>
+                <a:satMod val="350000"/>
+              </a:schemeClr>
+            </a:gs>
+          </a:gsLst>
+          <a:lin ang="16200000" scaled="1"/>
+        </a:gradFill>
+        <a:gradFill rotWithShape="1">
+          <a:gsLst>
+            <a:gs pos="0">
+              <a:schemeClr val="phClr">
+                <a:tint val="100000"/>
+                <a:shade val="100000"/>
+                <a:satMod val="130000"/>
+              </a:schemeClr>
+            </a:gs>
+            <a:gs pos="100000">
+              <a:schemeClr val="phClr">
+                <a:tint val="50000"/>
+                <a:shade val="100000"/>
+                <a:satMod val="350000"/>
+              </a:schemeClr>
+            </a:gs>
+          </a:gsLst>
+          <a:lin ang="16200000" scaled="0"/>
+        </a:gradFill>
+      </a:fillStyleLst>
+      <a:lnStyleLst>
+        <a:ln cap="flat" cmpd="sng" w="9525" algn="ctr">
+          <a:solidFill>
+            <a:schemeClr val="phClr">
+              <a:shade val="95000"/>
+              <a:satMod val="105000"/>
+            </a:schemeClr>
+          </a:solidFill>
+          <a:prstDash val="solid"/>
+        </a:ln>
+        <a:ln cap="flat" cmpd="sng" w="25400" algn="ctr">
+          <a:solidFill>
+            <a:schemeClr val="phClr"/>
+          </a:solidFill>
+          <a:prstDash val="solid"/>
+        </a:ln>
+        <a:ln cap="flat" cmpd="sng" w="38100" algn="ctr">
+          <a:solidFill>
+            <a:schemeClr val="phClr"/>
+          </a:solidFill>
+          <a:prstDash val="solid"/>
+        </a:ln>
+      </a:lnStyleLst>
+      <a:effectStyleLst>
+        <a:effectStyle>
+          <a:effectLst>
+            <a:outerShdw blurRad="40000" rotWithShape="0" dir="5400000" dist="20000">
+              <a:srgbClr val="000000">
+                <a:alpha val="38000"/>
+              </a:srgbClr>
+            </a:outerShdw>
+          </a:effectLst>
+        </a:effectStyle>
+        <a:effectStyle>
+          <a:effectLst>
+            <a:outerShdw blurRad="40000" rotWithShape="0" dir="5400000" dist="23000">
+              <a:srgbClr val="000000">
+                <a:alpha val="35000"/>
+              </a:srgbClr>
+            </a:outerShdw>
+          </a:effectLst>
+        </a:effectStyle>
+        <a:effectStyle>
+          <a:effectLst>
+            <a:outerShdw blurRad="40000" rotWithShape="0" dir="5400000" dist="23000">
+              <a:srgbClr val="000000">
+                <a:alpha val="35000"/>
+              </a:srgbClr>
+            </a:outerShdw>
+          </a:effectLst>
+          <a:scene3d>
+            <a:camera prst="orthographicFront">
+              <a:rot lat="0" lon="0" rev="0"/>
+            </a:camera>
+            <a:lightRig dir="t" rig="threePt">
+              <a:rot lat="0" lon="0" rev="1200000"/>
+            </a:lightRig>
+          </a:scene3d>
+          <a:sp3d>
+            <a:bevelT h="25400" w="63500"/>
+          </a:sp3d>
+        </a:effectStyle>
+      </a:effectStyleLst>
+      <a:bgFillStyleLst>
+        <a:solidFill>
+          <a:schemeClr val="phClr"/>
+        </a:solidFill>
+        <a:gradFill rotWithShape="1">
+          <a:gsLst>
+            <a:gs pos="0">
+              <a:schemeClr val="phClr">
+                <a:tint val="40000"/>
+                <a:satMod val="350000"/>
+              </a:schemeClr>
+            </a:gs>
+            <a:gs pos="40000">
+              <a:schemeClr val="phClr">
+                <a:tint val="45000"/>
+                <a:shade val="99000"/>
+                <a:satMod val="350000"/>
+              </a:schemeClr>
+            </a:gs>
+            <a:gs pos="100000">
+              <a:schemeClr val="phClr">
+                <a:shade val="20000"/>
+                <a:satMod val="255000"/>
+              </a:schemeClr>
+            </a:gs>
+          </a:gsLst>
+          <a:path path="circle">
+            <a:fillToRect b="180000" l="50000" r="50000" t="-80000"/>
+          </a:path>
+        </a:gradFill>
+        <a:gradFill rotWithShape="1">
+          <a:gsLst>
+            <a:gs pos="0">
+              <a:schemeClr val="phClr">
+                <a:tint val="80000"/>
+                <a:satMod val="300000"/>
+              </a:schemeClr>
+            </a:gs>
+            <a:gs pos="100000">
+              <a:schemeClr val="phClr">
+                <a:shade val="30000"/>
+                <a:satMod val="200000"/>
+              </a:schemeClr>
+            </a:gs>
+          </a:gsLst>
+          <a:path path="circle">
+            <a:fillToRect b="50000" l="50000" r="50000" t="50000"/>
+          </a:path>
+        </a:gradFill>
+      </a:bgFillStyleLst>
+    </a:fmtScheme>
+  </a:themeElements>
+</a:theme>
 </file>
--- a/CS347 PROJECT PRESENTATION.pptx
+++ b/CS347 PROJECT PRESENTATION.pptx
@@ -5023,7 +5023,7 @@
             </a:br>
           </a:p>
           <a:p>
-            <a:pPr indent="-317500" lvl="0" marL="457200">
+            <a:pPr indent="-317500" lvl="0" marL="457200" rtl="0">
               <a:spcBef>
                 <a:spcPts val="0"/>
               </a:spcBef>
@@ -5037,6 +5037,66 @@
             <a:r>
               <a:rPr lang="en" sz="1400"/>
               <a:t>MINOR: Cloning memberships doesn’t filter out already existing memberships so you can get duplicate memberships</a:t>
+            </a:r>
+            <a:br>
+              <a:rPr lang="en" sz="1400"/>
+            </a:br>
+          </a:p>
+          <a:p>
+            <a:pPr indent="-317500" lvl="0" marL="457200" rtl="0">
+              <a:spcBef>
+                <a:spcPts val="0"/>
+              </a:spcBef>
+              <a:buClr>
+                <a:schemeClr val="dk2"/>
+              </a:buClr>
+              <a:buSzPct val="100000"/>
+              <a:buFont typeface="Arial"/>
+              <a:buChar char="●"/>
+            </a:pPr>
+            <a:r>
+              <a:rPr lang="en" sz="1400"/>
+              <a:t>MINOR: Region display selector does not properly draw column names for all tabs when SHOW_ALL option is turned off.  It will only show column names for the currently selected tab</a:t>
+            </a:r>
+            <a:br>
+              <a:rPr lang="en" sz="1400"/>
+            </a:br>
+          </a:p>
+          <a:p>
+            <a:pPr indent="-317500" lvl="0" marL="457200" rtl="0">
+              <a:spcBef>
+                <a:spcPts val="0"/>
+              </a:spcBef>
+              <a:buClr>
+                <a:schemeClr val="dk2"/>
+              </a:buClr>
+              <a:buSzPct val="100000"/>
+              <a:buFont typeface="Arial"/>
+              <a:buChar char="●"/>
+            </a:pPr>
+            <a:r>
+              <a:rPr lang="en" sz="1400"/>
+              <a:t>MINOR: Tree control is ‘legacy’ and doesn’t support cascading LOVs.  The only way to update it is to submit the page.</a:t>
+            </a:r>
+            <a:br>
+              <a:rPr lang="en" sz="1400"/>
+            </a:br>
+          </a:p>
+          <a:p>
+            <a:pPr indent="-317500" lvl="0" marL="457200">
+              <a:spcBef>
+                <a:spcPts val="0"/>
+              </a:spcBef>
+              <a:buClr>
+                <a:schemeClr val="dk2"/>
+              </a:buClr>
+              <a:buSzPct val="100000"/>
+              <a:buFont typeface="Arial"/>
+              <a:buChar char="●"/>
+            </a:pPr>
+            <a:r>
+              <a:rPr lang="en" sz="1400"/>
+              <a:t>MAJOR: Cascading LOVs can’t reliably update the shuttle because the shuttle requires a secondary process to sort members into the right and left hand sides.</a:t>
             </a:r>
           </a:p>
         </p:txBody>
@@ -6934,283 +6994,6 @@
 </file>
 
 <file path=ppt/theme/theme1.xml><?xml version="1.0" encoding="utf-8"?>
-<a:theme xmlns:a="http://schemas.openxmlformats.org/drawingml/2006/main" xmlns:r="http://schemas.openxmlformats.org/officeDocument/2006/relationships" name="khaki">
-  <a:themeElements>
-    <a:clrScheme name="Custom 349">
-      <a:dk1>
-        <a:srgbClr val="262626"/>
-      </a:dk1>
-      <a:lt1>
-        <a:srgbClr val="E6D6BD"/>
-      </a:lt1>
-      <a:dk2>
-        <a:srgbClr val="535353"/>
-      </a:dk2>
-      <a:lt2>
-        <a:srgbClr val="B4AD9E"/>
-      </a:lt2>
-      <a:accent1>
-        <a:srgbClr val="ADB48E"/>
-      </a:accent1>
-      <a:accent2>
-        <a:srgbClr val="867961"/>
-      </a:accent2>
-      <a:accent3>
-        <a:srgbClr val="CBB680"/>
-      </a:accent3>
-      <a:accent4>
-        <a:srgbClr val="78A3C0"/>
-      </a:accent4>
-      <a:accent5>
-        <a:srgbClr val="C0AE91"/>
-      </a:accent5>
-      <a:accent6>
-        <a:srgbClr val="668874"/>
-      </a:accent6>
-      <a:hlink>
-        <a:srgbClr val="4B94B3"/>
-      </a:hlink>
-      <a:folHlink>
-        <a:srgbClr val="414141"/>
-      </a:folHlink>
-    </a:clrScheme>
-    <a:fontScheme name="Office">
-      <a:majorFont>
-        <a:latin typeface="Arial"/>
-        <a:ea typeface=""/>
-        <a:cs typeface=""/>
-        <a:font script="Jpan" typeface="ＭＳ Ｐゴシック"/>
-        <a:font script="Hang" typeface="맑은 고딕"/>
-        <a:font script="Hans" typeface="宋体"/>
-        <a:font script="Hant" typeface="新細明體"/>
-        <a:font script="Arab" typeface="Times New Roman"/>
-        <a:font script="Hebr" typeface="Times New Roman"/>
-        <a:font script="Thai" typeface="Angsana New"/>
-        <a:font script="Ethi" typeface="Nyala"/>
-        <a:font script="Beng" typeface="Vrinda"/>
-        <a:font script="Gujr" typeface="Shruti"/>
-        <a:font script="Khmr" typeface="MoolBoran"/>
-        <a:font script="Knda" typeface="Tunga"/>
-        <a:font script="Guru" typeface="Raavi"/>
-        <a:font script="Cans" typeface="Euphemia"/>
-        <a:font script="Cher" typeface="Plantagenet Cherokee"/>
-        <a:font script="Yiii" typeface="Microsoft Yi Baiti"/>
-        <a:font script="Tibt" typeface="Microsoft Himalaya"/>
-        <a:font script="Thaa" typeface="MV Boli"/>
-        <a:font script="Deva" typeface="Mangal"/>
-        <a:font script="Telu" typeface="Gautami"/>
-        <a:font script="Taml" typeface="Latha"/>
-        <a:font script="Syrc" typeface="Estrangelo Edessa"/>
-        <a:font script="Orya" typeface="Kalinga"/>
-        <a:font script="Mlym" typeface="Kartika"/>
-        <a:font script="Laoo" typeface="DokChampa"/>
-        <a:font script="Sinh" typeface="Iskoola Pota"/>
-        <a:font script="Mong" typeface="Mongolian Baiti"/>
-        <a:font script="Viet" typeface="Times New Roman"/>
-        <a:font script="Uigh" typeface="Microsoft Uighur"/>
-      </a:majorFont>
-      <a:minorFont>
-        <a:latin typeface="Arial"/>
-        <a:ea typeface=""/>
-        <a:cs typeface=""/>
-        <a:font script="Jpan" typeface="ＭＳ Ｐゴシック"/>
-        <a:font script="Hang" typeface="맑은 고딕"/>
-        <a:font script="Hans" typeface="宋体"/>
-        <a:font script="Hant" typeface="新細明體"/>
-        <a:font script="Arab" typeface="Times New Roman"/>
-        <a:font script="Hebr" typeface="Times New Roman"/>
-        <a:font script="Thai" typeface="Angsana New"/>
-        <a:font script="Ethi" typeface="Nyala"/>
-        <a:font script="Beng" typeface="Vrinda"/>
-        <a:font script="Gujr" typeface="Shruti"/>
-        <a:font script="Khmr" typeface="MoolBoran"/>
-        <a:font script="Knda" typeface="Tunga"/>
-        <a:font script="Guru" typeface="Raavi"/>
-        <a:font script="Cans" typeface="Euphemia"/>
-        <a:font script="Cher" typeface="Plantagenet Cherokee"/>
-        <a:font script="Yiii" typeface="Microsoft Yi Baiti"/>
-        <a:font script="Tibt" typeface="Microsoft Himalaya"/>
-        <a:font script="Thaa" typeface="MV Boli"/>
-        <a:font script="Deva" typeface="Mangal"/>
-        <a:font script="Telu" typeface="Gautami"/>
-        <a:font script="Taml" typeface="Latha"/>
-        <a:font script="Syrc" typeface="Estrangelo Edessa"/>
-        <a:font script="Orya" typeface="Kalinga"/>
-        <a:font script="Mlym" typeface="Kartika"/>
-        <a:font script="Laoo" typeface="DokChampa"/>
-        <a:font script="Sinh" typeface="Iskoola Pota"/>
-        <a:font script="Mong" typeface="Mongolian Baiti"/>
-        <a:font script="Viet" typeface="Times New Roman"/>
-        <a:font script="Uigh" typeface="Microsoft Uighur"/>
-      </a:minorFont>
-    </a:fontScheme>
-    <a:fmtScheme name="Office">
-      <a:fillStyleLst>
-        <a:solidFill>
-          <a:schemeClr val="phClr"/>
-        </a:solidFill>
-        <a:gradFill rotWithShape="1">
-          <a:gsLst>
-            <a:gs pos="0">
-              <a:schemeClr val="phClr">
-                <a:tint val="50000"/>
-                <a:satMod val="300000"/>
-              </a:schemeClr>
-            </a:gs>
-            <a:gs pos="35000">
-              <a:schemeClr val="phClr">
-                <a:tint val="37000"/>
-                <a:satMod val="300000"/>
-              </a:schemeClr>
-            </a:gs>
-            <a:gs pos="100000">
-              <a:schemeClr val="phClr">
-                <a:tint val="15000"/>
-                <a:satMod val="350000"/>
-              </a:schemeClr>
-            </a:gs>
-          </a:gsLst>
-          <a:lin ang="16200000" scaled="1"/>
-        </a:gradFill>
-        <a:gradFill rotWithShape="1">
-          <a:gsLst>
-            <a:gs pos="0">
-              <a:schemeClr val="phClr">
-                <a:tint val="100000"/>
-                <a:shade val="100000"/>
-                <a:satMod val="130000"/>
-              </a:schemeClr>
-            </a:gs>
-            <a:gs pos="100000">
-              <a:schemeClr val="phClr">
-                <a:tint val="50000"/>
-                <a:shade val="100000"/>
-                <a:satMod val="350000"/>
-              </a:schemeClr>
-            </a:gs>
-          </a:gsLst>
-          <a:lin ang="16200000" scaled="0"/>
-        </a:gradFill>
-      </a:fillStyleLst>
-      <a:lnStyleLst>
-        <a:ln cap="flat" cmpd="sng" w="9525" algn="ctr">
-          <a:solidFill>
-            <a:schemeClr val="phClr">
-              <a:shade val="95000"/>
-              <a:satMod val="105000"/>
-            </a:schemeClr>
-          </a:solidFill>
-          <a:prstDash val="solid"/>
-        </a:ln>
-        <a:ln cap="flat" cmpd="sng" w="25400" algn="ctr">
-          <a:solidFill>
-            <a:schemeClr val="phClr"/>
-          </a:solidFill>
-          <a:prstDash val="solid"/>
-        </a:ln>
-        <a:ln cap="flat" cmpd="sng" w="38100" algn="ctr">
-          <a:solidFill>
-            <a:schemeClr val="phClr"/>
-          </a:solidFill>
-          <a:prstDash val="solid"/>
-        </a:ln>
-      </a:lnStyleLst>
-      <a:effectStyleLst>
-        <a:effectStyle>
-          <a:effectLst>
-            <a:outerShdw blurRad="40000" rotWithShape="0" dir="5400000" dist="20000">
-              <a:srgbClr val="000000">
-                <a:alpha val="38000"/>
-              </a:srgbClr>
-            </a:outerShdw>
-          </a:effectLst>
-        </a:effectStyle>
-        <a:effectStyle>
-          <a:effectLst>
-            <a:outerShdw blurRad="40000" rotWithShape="0" dir="5400000" dist="23000">
-              <a:srgbClr val="000000">
-                <a:alpha val="35000"/>
-              </a:srgbClr>
-            </a:outerShdw>
-          </a:effectLst>
-        </a:effectStyle>
-        <a:effectStyle>
-          <a:effectLst>
-            <a:outerShdw blurRad="40000" rotWithShape="0" dir="5400000" dist="23000">
-              <a:srgbClr val="000000">
-                <a:alpha val="35000"/>
-              </a:srgbClr>
-            </a:outerShdw>
-          </a:effectLst>
-          <a:scene3d>
-            <a:camera prst="orthographicFront">
-              <a:rot lat="0" lon="0" rev="0"/>
-            </a:camera>
-            <a:lightRig dir="t" rig="threePt">
-              <a:rot lat="0" lon="0" rev="1200000"/>
-            </a:lightRig>
-          </a:scene3d>
-          <a:sp3d>
-            <a:bevelT h="25400" w="63500"/>
-          </a:sp3d>
-        </a:effectStyle>
-      </a:effectStyleLst>
-      <a:bgFillStyleLst>
-        <a:solidFill>
-          <a:schemeClr val="phClr"/>
-        </a:solidFill>
-        <a:gradFill rotWithShape="1">
-          <a:gsLst>
-            <a:gs pos="0">
-              <a:schemeClr val="phClr">
-                <a:tint val="40000"/>
-                <a:satMod val="350000"/>
-              </a:schemeClr>
-            </a:gs>
-            <a:gs pos="40000">
-              <a:schemeClr val="phClr">
-                <a:tint val="45000"/>
-                <a:shade val="99000"/>
-                <a:satMod val="350000"/>
-              </a:schemeClr>
-            </a:gs>
-            <a:gs pos="100000">
-              <a:schemeClr val="phClr">
-                <a:shade val="20000"/>
-                <a:satMod val="255000"/>
-              </a:schemeClr>
-            </a:gs>
-          </a:gsLst>
-          <a:path path="circle">
-            <a:fillToRect b="180000" l="50000" r="50000" t="-80000"/>
-          </a:path>
-        </a:gradFill>
-        <a:gradFill rotWithShape="1">
-          <a:gsLst>
-            <a:gs pos="0">
-              <a:schemeClr val="phClr">
-                <a:tint val="80000"/>
-                <a:satMod val="300000"/>
-              </a:schemeClr>
-            </a:gs>
-            <a:gs pos="100000">
-              <a:schemeClr val="phClr">
-                <a:shade val="30000"/>
-                <a:satMod val="200000"/>
-              </a:schemeClr>
-            </a:gs>
-          </a:gsLst>
-          <a:path path="circle">
-            <a:fillToRect b="50000" l="50000" r="50000" t="50000"/>
-          </a:path>
-        </a:gradFill>
-      </a:bgFillStyleLst>
-    </a:fmtScheme>
-  </a:themeElements>
-</a:theme>
-</file>
-
-<file path=ppt/theme/theme2.xml><?xml version="1.0" encoding="utf-8"?>
 <a:theme xmlns:a="http://schemas.openxmlformats.org/drawingml/2006/main" xmlns:r="http://schemas.openxmlformats.org/officeDocument/2006/relationships" name="Office Theme">
   <a:themeElements>
     <a:clrScheme name="Office">
@@ -7527,6 +7310,283 @@
 </a:theme>
 </file>
 
+<file path=ppt/theme/theme2.xml><?xml version="1.0" encoding="utf-8"?>
+<a:theme xmlns:a="http://schemas.openxmlformats.org/drawingml/2006/main" xmlns:r="http://schemas.openxmlformats.org/officeDocument/2006/relationships" name="khaki">
+  <a:themeElements>
+    <a:clrScheme name="Custom 349">
+      <a:dk1>
+        <a:srgbClr val="262626"/>
+      </a:dk1>
+      <a:lt1>
+        <a:srgbClr val="E6D6BD"/>
+      </a:lt1>
+      <a:dk2>
+        <a:srgbClr val="535353"/>
+      </a:dk2>
+      <a:lt2>
+        <a:srgbClr val="B4AD9E"/>
+      </a:lt2>
+      <a:accent1>
+        <a:srgbClr val="ADB48E"/>
+      </a:accent1>
+      <a:accent2>
+        <a:srgbClr val="867961"/>
+      </a:accent2>
+      <a:accent3>
+        <a:srgbClr val="CBB680"/>
+      </a:accent3>
+      <a:accent4>
+        <a:srgbClr val="78A3C0"/>
+      </a:accent4>
+      <a:accent5>
+        <a:srgbClr val="C0AE91"/>
+      </a:accent5>
+      <a:accent6>
+        <a:srgbClr val="668874"/>
+      </a:accent6>
+      <a:hlink>
+        <a:srgbClr val="4B94B3"/>
+      </a:hlink>
+      <a:folHlink>
+        <a:srgbClr val="414141"/>
+      </a:folHlink>
+    </a:clrScheme>
+    <a:fontScheme name="Office">
+      <a:majorFont>
+        <a:latin typeface="Arial"/>
+        <a:ea typeface=""/>
+        <a:cs typeface=""/>
+        <a:font script="Jpan" typeface="ＭＳ Ｐゴシック"/>
+        <a:font script="Hang" typeface="맑은 고딕"/>
+        <a:font script="Hans" typeface="宋体"/>
+        <a:font script="Hant" typeface="新細明體"/>
+        <a:font script="Arab" typeface="Times New Roman"/>
+        <a:font script="Hebr" typeface="Times New Roman"/>
+        <a:font script="Thai" typeface="Angsana New"/>
+        <a:font script="Ethi" typeface="Nyala"/>
+        <a:font script="Beng" typeface="Vrinda"/>
+        <a:font script="Gujr" typeface="Shruti"/>
+        <a:font script="Khmr" typeface="MoolBoran"/>
+        <a:font script="Knda" typeface="Tunga"/>
+        <a:font script="Guru" typeface="Raavi"/>
+        <a:font script="Cans" typeface="Euphemia"/>
+        <a:font script="Cher" typeface="Plantagenet Cherokee"/>
+        <a:font script="Yiii" typeface="Microsoft Yi Baiti"/>
+        <a:font script="Tibt" typeface="Microsoft Himalaya"/>
+        <a:font script="Thaa" typeface="MV Boli"/>
+        <a:font script="Deva" typeface="Mangal"/>
+        <a:font script="Telu" typeface="Gautami"/>
+        <a:font script="Taml" typeface="Latha"/>
+        <a:font script="Syrc" typeface="Estrangelo Edessa"/>
+        <a:font script="Orya" typeface="Kalinga"/>
+        <a:font script="Mlym" typeface="Kartika"/>
+        <a:font script="Laoo" typeface="DokChampa"/>
+        <a:font script="Sinh" typeface="Iskoola Pota"/>
+        <a:font script="Mong" typeface="Mongolian Baiti"/>
+        <a:font script="Viet" typeface="Times New Roman"/>
+        <a:font script="Uigh" typeface="Microsoft Uighur"/>
+      </a:majorFont>
+      <a:minorFont>
+        <a:latin typeface="Arial"/>
+        <a:ea typeface=""/>
+        <a:cs typeface=""/>
+        <a:font script="Jpan" typeface="ＭＳ Ｐゴシック"/>
+        <a:font script="Hang" typeface="맑은 고딕"/>
+        <a:font script="Hans" typeface="宋体"/>
+        <a:font script="Hant" typeface="新細明體"/>
+        <a:font script="Arab" typeface="Times New Roman"/>
+        <a:font script="Hebr" typeface="Times New Roman"/>
+        <a:font script="Thai" typeface="Angsana New"/>
+        <a:font script="Ethi" typeface="Nyala"/>
+        <a:font script="Beng" typeface="Vrinda"/>
+        <a:font script="Gujr" typeface="Shruti"/>
+        <a:font script="Khmr" typeface="MoolBoran"/>
+        <a:font script="Knda" typeface="Tunga"/>
+        <a:font script="Guru" typeface="Raavi"/>
+        <a:font script="Cans" typeface="Euphemia"/>
+        <a:font script="Cher" typeface="Plantagenet Cherokee"/>
+        <a:font script="Yiii" typeface="Microsoft Yi Baiti"/>
+        <a:font script="Tibt" typeface="Microsoft Himalaya"/>
+        <a:font script="Thaa" typeface="MV Boli"/>
+        <a:font script="Deva" typeface="Mangal"/>
+        <a:font script="Telu" typeface="Gautami"/>
+        <a:font script="Taml" typeface="Latha"/>
+        <a:font script="Syrc" typeface="Estrangelo Edessa"/>
+        <a:font script="Orya" typeface="Kalinga"/>
+        <a:font script="Mlym" typeface="Kartika"/>
+        <a:font script="Laoo" typeface="DokChampa"/>
+        <a:font script="Sinh" typeface="Iskoola Pota"/>
+        <a:font script="Mong" typeface="Mongolian Baiti"/>
+        <a:font script="Viet" typeface="Times New Roman"/>
+        <a:font script="Uigh" typeface="Microsoft Uighur"/>
+      </a:minorFont>
+    </a:fontScheme>
+    <a:fmtScheme name="Office">
+      <a:fillStyleLst>
+        <a:solidFill>
+          <a:schemeClr val="phClr"/>
+        </a:solidFill>
+        <a:gradFill rotWithShape="1">
+          <a:gsLst>
+            <a:gs pos="0">
+              <a:schemeClr val="phClr">
+                <a:tint val="50000"/>
+                <a:satMod val="300000"/>
+              </a:schemeClr>
+            </a:gs>
+            <a:gs pos="35000">
+              <a:schemeClr val="phClr">
+                <a:tint val="37000"/>
+                <a:satMod val="300000"/>
+              </a:schemeClr>
+            </a:gs>
+            <a:gs pos="100000">
+              <a:schemeClr val="phClr">
+                <a:tint val="15000"/>
+                <a:satMod val="350000"/>
+              </a:schemeClr>
+            </a:gs>
+          </a:gsLst>
+          <a:lin ang="16200000" scaled="1"/>
+        </a:gradFill>
+        <a:gradFill rotWithShape="1">
+          <a:gsLst>
+            <a:gs pos="0">
+              <a:schemeClr val="phClr">
+                <a:tint val="100000"/>
+                <a:shade val="100000"/>
+                <a:satMod val="130000"/>
+              </a:schemeClr>
+            </a:gs>
+            <a:gs pos="100000">
+              <a:schemeClr val="phClr">
+                <a:tint val="50000"/>
+                <a:shade val="100000"/>
+                <a:satMod val="350000"/>
+              </a:schemeClr>
+            </a:gs>
+          </a:gsLst>
+          <a:lin ang="16200000" scaled="0"/>
+        </a:gradFill>
+      </a:fillStyleLst>
+      <a:lnStyleLst>
+        <a:ln cap="flat" cmpd="sng" w="9525" algn="ctr">
+          <a:solidFill>
+            <a:schemeClr val="phClr">
+              <a:shade val="95000"/>
+              <a:satMod val="105000"/>
+            </a:schemeClr>
+          </a:solidFill>
+          <a:prstDash val="solid"/>
+        </a:ln>
+        <a:ln cap="flat" cmpd="sng" w="25400" algn="ctr">
+          <a:solidFill>
+            <a:schemeClr val="phClr"/>
+          </a:solidFill>
+          <a:prstDash val="solid"/>
+        </a:ln>
+        <a:ln cap="flat" cmpd="sng" w="38100" algn="ctr">
+          <a:solidFill>
+            <a:schemeClr val="phClr"/>
+          </a:solidFill>
+          <a:prstDash val="solid"/>
+        </a:ln>
+      </a:lnStyleLst>
+      <a:effectStyleLst>
+        <a:effectStyle>
+          <a:effectLst>
+            <a:outerShdw blurRad="40000" rotWithShape="0" dir="5400000" dist="20000">
+              <a:srgbClr val="000000">
+                <a:alpha val="38000"/>
+              </a:srgbClr>
+            </a:outerShdw>
+          </a:effectLst>
+        </a:effectStyle>
+        <a:effectStyle>
+          <a:effectLst>
+            <a:outerShdw blurRad="40000" rotWithShape="0" dir="5400000" dist="23000">
+              <a:srgbClr val="000000">
+                <a:alpha val="35000"/>
+              </a:srgbClr>
+            </a:outerShdw>
+          </a:effectLst>
+        </a:effectStyle>
+        <a:effectStyle>
+          <a:effectLst>
+            <a:outerShdw blurRad="40000" rotWithShape="0" dir="5400000" dist="23000">
+              <a:srgbClr val="000000">
+                <a:alpha val="35000"/>
+              </a:srgbClr>
+            </a:outerShdw>
+          </a:effectLst>
+          <a:scene3d>
+            <a:camera prst="orthographicFront">
+              <a:rot lat="0" lon="0" rev="0"/>
+            </a:camera>
+            <a:lightRig dir="t" rig="threePt">
+              <a:rot lat="0" lon="0" rev="1200000"/>
+            </a:lightRig>
+          </a:scene3d>
+          <a:sp3d>
+            <a:bevelT h="25400" w="63500"/>
+          </a:sp3d>
+        </a:effectStyle>
+      </a:effectStyleLst>
+      <a:bgFillStyleLst>
+        <a:solidFill>
+          <a:schemeClr val="phClr"/>
+        </a:solidFill>
+        <a:gradFill rotWithShape="1">
+          <a:gsLst>
+            <a:gs pos="0">
+              <a:schemeClr val="phClr">
+                <a:tint val="40000"/>
+                <a:satMod val="350000"/>
+              </a:schemeClr>
+            </a:gs>
+            <a:gs pos="40000">
+              <a:schemeClr val="phClr">
+                <a:tint val="45000"/>
+                <a:shade val="99000"/>
+                <a:satMod val="350000"/>
+              </a:schemeClr>
+            </a:gs>
+            <a:gs pos="100000">
+              <a:schemeClr val="phClr">
+                <a:shade val="20000"/>
+                <a:satMod val="255000"/>
+              </a:schemeClr>
+            </a:gs>
+          </a:gsLst>
+          <a:path path="circle">
+            <a:fillToRect b="180000" l="50000" r="50000" t="-80000"/>
+          </a:path>
+        </a:gradFill>
+        <a:gradFill rotWithShape="1">
+          <a:gsLst>
+            <a:gs pos="0">
+              <a:schemeClr val="phClr">
+                <a:tint val="80000"/>
+                <a:satMod val="300000"/>
+              </a:schemeClr>
+            </a:gs>
+            <a:gs pos="100000">
+              <a:schemeClr val="phClr">
+                <a:shade val="30000"/>
+                <a:satMod val="200000"/>
+              </a:schemeClr>
+            </a:gs>
+          </a:gsLst>
+          <a:path path="circle">
+            <a:fillToRect b="50000" l="50000" r="50000" t="50000"/>
+          </a:path>
+        </a:gradFill>
+      </a:bgFillStyleLst>
+    </a:fmtScheme>
+  </a:themeElements>
+</a:theme>
+</file>
+
 <file path=ppt/theme/theme3.xml><?xml version="1.0" encoding="utf-8"?>
 <a:theme xmlns:a="http://schemas.openxmlformats.org/drawingml/2006/main" xmlns:r="http://schemas.openxmlformats.org/officeDocument/2006/relationships" name="Custom Theme">
   <a:themeElements>

--- a/CS347 PROJECT PRESENTATION.pptx
+++ b/CS347 PROJECT PRESENTATION.pptx
@@ -5003,6 +5003,18 @@
           </a:bodyPr>
           <a:lstStyle/>
           <a:p>
+            <a:pPr lvl="0" rtl="0">
+              <a:spcBef>
+                <a:spcPts val="0"/>
+              </a:spcBef>
+              <a:buNone/>
+            </a:pPr>
+            <a:r>
+              <a:t/>
+            </a:r>
+            <a:endParaRPr sz="1400"/>
+          </a:p>
+          <a:p>
             <a:pPr indent="-317500" lvl="0" marL="457200" rtl="0">
               <a:spcBef>
                 <a:spcPts val="0"/>
@@ -5016,7 +5028,7 @@
             </a:pPr>
             <a:r>
               <a:rPr lang="en" sz="1400"/>
-              <a:t>MAJOR: Committing either of the shuttles clears the selection for the other shuttle.  This appears to be an APEX issue as both of the submit processes are conditional on the specific button.  Somehow during the commit, the page refresh is commiting the other shuttles selection when it’s in the intermediate step of just loading the full list of members (before the members are moved to the right side of the shuttle)</a:t>
+              <a:t>MINOR: Cloning memberships doesn’t filter out already existing memberships so you can get duplicate memberships</a:t>
             </a:r>
             <a:br>
               <a:rPr lang="en" sz="1400"/>
@@ -5036,14 +5048,11 @@
             </a:pPr>
             <a:r>
               <a:rPr lang="en" sz="1400"/>
-              <a:t>MINOR: Cloning memberships doesn’t filter out already existing memberships so you can get duplicate memberships</a:t>
-            </a:r>
-            <a:br>
-              <a:rPr lang="en" sz="1400"/>
-            </a:br>
-          </a:p>
-          <a:p>
-            <a:pPr indent="-317500" lvl="0" marL="457200" rtl="0">
+              <a:t>APEX BUGS</a:t>
+            </a:r>
+          </a:p>
+          <a:p>
+            <a:pPr indent="-317500" lvl="1" marL="914400" rtl="0">
               <a:spcBef>
                 <a:spcPts val="0"/>
               </a:spcBef>
@@ -5051,19 +5060,19 @@
                 <a:schemeClr val="dk2"/>
               </a:buClr>
               <a:buSzPct val="100000"/>
-              <a:buFont typeface="Arial"/>
-              <a:buChar char="●"/>
+              <a:buFont typeface="Courier New"/>
+              <a:buChar char="o"/>
             </a:pPr>
             <a:r>
               <a:rPr lang="en" sz="1400"/>
-              <a:t>MINOR: Region display selector does not properly draw column names for all tabs when SHOW_ALL option is turned off.  It will only show column names for the currently selected tab</a:t>
+              <a:t>Committing either of the shuttles clears the selection for the other shuttle.  This appears to be an APEX issue as both of the submit processes are conditional on the specific button.  Somehow during the commit, the page refresh is commiting the other shuttles selection when it’s in the intermediate step of just loading the full list of members (before the members are moved to the right side of the shuttle)</a:t>
             </a:r>
             <a:br>
               <a:rPr lang="en" sz="1400"/>
             </a:br>
           </a:p>
           <a:p>
-            <a:pPr indent="-317500" lvl="0" marL="457200" rtl="0">
+            <a:pPr indent="-317500" lvl="1" marL="914400" rtl="0">
               <a:spcBef>
                 <a:spcPts val="0"/>
               </a:spcBef>
@@ -5071,19 +5080,19 @@
                 <a:schemeClr val="dk2"/>
               </a:buClr>
               <a:buSzPct val="100000"/>
-              <a:buFont typeface="Arial"/>
-              <a:buChar char="●"/>
+              <a:buFont typeface="Courier New"/>
+              <a:buChar char="o"/>
             </a:pPr>
             <a:r>
               <a:rPr lang="en" sz="1400"/>
-              <a:t>MINOR: Tree control is ‘legacy’ and doesn’t support cascading LOVs.  The only way to update it is to submit the page.</a:t>
+              <a:t>Region display selector does not properly draw column names for all tabs when SHOW_ALL option is turned off.  It will only show column names for the currently selected tab</a:t>
             </a:r>
             <a:br>
               <a:rPr lang="en" sz="1400"/>
             </a:br>
           </a:p>
           <a:p>
-            <a:pPr indent="-317500" lvl="0" marL="457200">
+            <a:pPr indent="-317500" lvl="1" marL="914400" rtl="0">
               <a:spcBef>
                 <a:spcPts val="0"/>
               </a:spcBef>
@@ -5091,12 +5100,32 @@
                 <a:schemeClr val="dk2"/>
               </a:buClr>
               <a:buSzPct val="100000"/>
-              <a:buFont typeface="Arial"/>
-              <a:buChar char="●"/>
+              <a:buFont typeface="Courier New"/>
+              <a:buChar char="o"/>
             </a:pPr>
             <a:r>
               <a:rPr lang="en" sz="1400"/>
-              <a:t>MAJOR: Cascading LOVs can’t reliably update the shuttle because the shuttle requires a secondary process to sort members into the right and left hand sides.</a:t>
+              <a:t>Tree control is ‘legacy’ and doesn’t support cascading LOVs.  The only way to update it is to submit the page.</a:t>
+            </a:r>
+            <a:br>
+              <a:rPr lang="en" sz="1400"/>
+            </a:br>
+          </a:p>
+          <a:p>
+            <a:pPr indent="-317500" lvl="1" marL="914400">
+              <a:spcBef>
+                <a:spcPts val="0"/>
+              </a:spcBef>
+              <a:buClr>
+                <a:schemeClr val="dk2"/>
+              </a:buClr>
+              <a:buSzPct val="100000"/>
+              <a:buFont typeface="Courier New"/>
+              <a:buChar char="o"/>
+            </a:pPr>
+            <a:r>
+              <a:rPr lang="en" sz="1400"/>
+              <a:t>Cascading LOVs can’t reliably update the shuttle because the shuttle requires a secondary process to sort members into the right and left hand sides.</a:t>
             </a:r>
           </a:p>
         </p:txBody>
@@ -6994,6 +7023,560 @@
 </file>
 
 <file path=ppt/theme/theme1.xml><?xml version="1.0" encoding="utf-8"?>
+<a:theme xmlns:a="http://schemas.openxmlformats.org/drawingml/2006/main" xmlns:r="http://schemas.openxmlformats.org/officeDocument/2006/relationships" name="Custom Theme">
+  <a:themeElements>
+    <a:clrScheme name="Default">
+      <a:dk1>
+        <a:srgbClr val="000000"/>
+      </a:dk1>
+      <a:lt1>
+        <a:srgbClr val="FFFFFF"/>
+      </a:lt1>
+      <a:dk2>
+        <a:srgbClr val="158158"/>
+      </a:dk2>
+      <a:lt2>
+        <a:srgbClr val="F3F3F3"/>
+      </a:lt2>
+      <a:accent1>
+        <a:srgbClr val="058DC7"/>
+      </a:accent1>
+      <a:accent2>
+        <a:srgbClr val="50B432"/>
+      </a:accent2>
+      <a:accent3>
+        <a:srgbClr val="ED561B"/>
+      </a:accent3>
+      <a:accent4>
+        <a:srgbClr val="EDEF00"/>
+      </a:accent4>
+      <a:accent5>
+        <a:srgbClr val="24CBE5"/>
+      </a:accent5>
+      <a:accent6>
+        <a:srgbClr val="64E572"/>
+      </a:accent6>
+      <a:hlink>
+        <a:srgbClr val="2200CC"/>
+      </a:hlink>
+      <a:folHlink>
+        <a:srgbClr val="551A8B"/>
+      </a:folHlink>
+    </a:clrScheme>
+    <a:fontScheme name="Office">
+      <a:majorFont>
+        <a:latin typeface="Arial"/>
+        <a:ea typeface=""/>
+        <a:cs typeface=""/>
+        <a:font script="Jpan" typeface="ＭＳ Ｐゴシック"/>
+        <a:font script="Hang" typeface="맑은 고딕"/>
+        <a:font script="Hans" typeface="宋体"/>
+        <a:font script="Hant" typeface="新細明體"/>
+        <a:font script="Arab" typeface="Times New Roman"/>
+        <a:font script="Hebr" typeface="Times New Roman"/>
+        <a:font script="Thai" typeface="Angsana New"/>
+        <a:font script="Ethi" typeface="Nyala"/>
+        <a:font script="Beng" typeface="Vrinda"/>
+        <a:font script="Gujr" typeface="Shruti"/>
+        <a:font script="Khmr" typeface="MoolBoran"/>
+        <a:font script="Knda" typeface="Tunga"/>
+        <a:font script="Guru" typeface="Raavi"/>
+        <a:font script="Cans" typeface="Euphemia"/>
+        <a:font script="Cher" typeface="Plantagenet Cherokee"/>
+        <a:font script="Yiii" typeface="Microsoft Yi Baiti"/>
+        <a:font script="Tibt" typeface="Microsoft Himalaya"/>
+        <a:font script="Thaa" typeface="MV Boli"/>
+        <a:font script="Deva" typeface="Mangal"/>
+        <a:font script="Telu" typeface="Gautami"/>
+        <a:font script="Taml" typeface="Latha"/>
+        <a:font script="Syrc" typeface="Estrangelo Edessa"/>
+        <a:font script="Orya" typeface="Kalinga"/>
+        <a:font script="Mlym" typeface="Kartika"/>
+        <a:font script="Laoo" typeface="DokChampa"/>
+        <a:font script="Sinh" typeface="Iskoola Pota"/>
+        <a:font script="Mong" typeface="Mongolian Baiti"/>
+        <a:font script="Viet" typeface="Times New Roman"/>
+        <a:font script="Uigh" typeface="Microsoft Uighur"/>
+      </a:majorFont>
+      <a:minorFont>
+        <a:latin typeface="Arial"/>
+        <a:ea typeface=""/>
+        <a:cs typeface=""/>
+        <a:font script="Jpan" typeface="ＭＳ Ｐゴシック"/>
+        <a:font script="Hang" typeface="맑은 고딕"/>
+        <a:font script="Hans" typeface="宋体"/>
+        <a:font script="Hant" typeface="新細明體"/>
+        <a:font script="Arab" typeface="Times New Roman"/>
+        <a:font script="Hebr" typeface="Times New Roman"/>
+        <a:font script="Thai" typeface="Angsana New"/>
+        <a:font script="Ethi" typeface="Nyala"/>
+        <a:font script="Beng" typeface="Vrinda"/>
+        <a:font script="Gujr" typeface="Shruti"/>
+        <a:font script="Khmr" typeface="MoolBoran"/>
+        <a:font script="Knda" typeface="Tunga"/>
+        <a:font script="Guru" typeface="Raavi"/>
+        <a:font script="Cans" typeface="Euphemia"/>
+        <a:font script="Cher" typeface="Plantagenet Cherokee"/>
+        <a:font script="Yiii" typeface="Microsoft Yi Baiti"/>
+        <a:font script="Tibt" typeface="Microsoft Himalaya"/>
+        <a:font script="Thaa" typeface="MV Boli"/>
+        <a:font script="Deva" typeface="Mangal"/>
+        <a:font script="Telu" typeface="Gautami"/>
+        <a:font script="Taml" typeface="Latha"/>
+        <a:font script="Syrc" typeface="Estrangelo Edessa"/>
+        <a:font script="Orya" typeface="Kalinga"/>
+        <a:font script="Mlym" typeface="Kartika"/>
+        <a:font script="Laoo" typeface="DokChampa"/>
+        <a:font script="Sinh" typeface="Iskoola Pota"/>
+        <a:font script="Mong" typeface="Mongolian Baiti"/>
+        <a:font script="Viet" typeface="Times New Roman"/>
+        <a:font script="Uigh" typeface="Microsoft Uighur"/>
+      </a:minorFont>
+    </a:fontScheme>
+    <a:fmtScheme name="Office">
+      <a:fillStyleLst>
+        <a:solidFill>
+          <a:schemeClr val="phClr"/>
+        </a:solidFill>
+        <a:gradFill rotWithShape="1">
+          <a:gsLst>
+            <a:gs pos="0">
+              <a:schemeClr val="phClr">
+                <a:tint val="50000"/>
+                <a:satMod val="300000"/>
+              </a:schemeClr>
+            </a:gs>
+            <a:gs pos="35000">
+              <a:schemeClr val="phClr">
+                <a:tint val="37000"/>
+                <a:satMod val="300000"/>
+              </a:schemeClr>
+            </a:gs>
+            <a:gs pos="100000">
+              <a:schemeClr val="phClr">
+                <a:tint val="15000"/>
+                <a:satMod val="350000"/>
+              </a:schemeClr>
+            </a:gs>
+          </a:gsLst>
+          <a:lin ang="16200000" scaled="1"/>
+        </a:gradFill>
+        <a:gradFill rotWithShape="1">
+          <a:gsLst>
+            <a:gs pos="0">
+              <a:schemeClr val="phClr">
+                <a:tint val="100000"/>
+                <a:shade val="100000"/>
+                <a:satMod val="130000"/>
+              </a:schemeClr>
+            </a:gs>
+            <a:gs pos="100000">
+              <a:schemeClr val="phClr">
+                <a:tint val="50000"/>
+                <a:shade val="100000"/>
+                <a:satMod val="350000"/>
+              </a:schemeClr>
+            </a:gs>
+          </a:gsLst>
+          <a:lin ang="16200000" scaled="0"/>
+        </a:gradFill>
+      </a:fillStyleLst>
+      <a:lnStyleLst>
+        <a:ln cap="flat" cmpd="sng" w="9525" algn="ctr">
+          <a:solidFill>
+            <a:schemeClr val="phClr">
+              <a:shade val="95000"/>
+              <a:satMod val="105000"/>
+            </a:schemeClr>
+          </a:solidFill>
+          <a:prstDash val="solid"/>
+        </a:ln>
+        <a:ln cap="flat" cmpd="sng" w="25400" algn="ctr">
+          <a:solidFill>
+            <a:schemeClr val="phClr"/>
+          </a:solidFill>
+          <a:prstDash val="solid"/>
+        </a:ln>
+        <a:ln cap="flat" cmpd="sng" w="38100" algn="ctr">
+          <a:solidFill>
+            <a:schemeClr val="phClr"/>
+          </a:solidFill>
+          <a:prstDash val="solid"/>
+        </a:ln>
+      </a:lnStyleLst>
+      <a:effectStyleLst>
+        <a:effectStyle>
+          <a:effectLst>
+            <a:outerShdw blurRad="40000" rotWithShape="0" dir="5400000" dist="20000">
+              <a:srgbClr val="000000">
+                <a:alpha val="38000"/>
+              </a:srgbClr>
+            </a:outerShdw>
+          </a:effectLst>
+        </a:effectStyle>
+        <a:effectStyle>
+          <a:effectLst>
+            <a:outerShdw blurRad="40000" rotWithShape="0" dir="5400000" dist="23000">
+              <a:srgbClr val="000000">
+                <a:alpha val="35000"/>
+              </a:srgbClr>
+            </a:outerShdw>
+          </a:effectLst>
+        </a:effectStyle>
+        <a:effectStyle>
+          <a:effectLst>
+            <a:outerShdw blurRad="40000" rotWithShape="0" dir="5400000" dist="23000">
+              <a:srgbClr val="000000">
+                <a:alpha val="35000"/>
+              </a:srgbClr>
+            </a:outerShdw>
+          </a:effectLst>
+          <a:scene3d>
+            <a:camera prst="orthographicFront">
+              <a:rot lat="0" lon="0" rev="0"/>
+            </a:camera>
+            <a:lightRig dir="t" rig="threePt">
+              <a:rot lat="0" lon="0" rev="1200000"/>
+            </a:lightRig>
+          </a:scene3d>
+          <a:sp3d>
+            <a:bevelT h="25400" w="63500"/>
+          </a:sp3d>
+        </a:effectStyle>
+      </a:effectStyleLst>
+      <a:bgFillStyleLst>
+        <a:solidFill>
+          <a:schemeClr val="phClr"/>
+        </a:solidFill>
+        <a:gradFill rotWithShape="1">
+          <a:gsLst>
+            <a:gs pos="0">
+              <a:schemeClr val="phClr">
+                <a:tint val="40000"/>
+                <a:satMod val="350000"/>
+              </a:schemeClr>
+            </a:gs>
+            <a:gs pos="40000">
+              <a:schemeClr val="phClr">
+                <a:tint val="45000"/>
+                <a:shade val="99000"/>
+                <a:satMod val="350000"/>
+              </a:schemeClr>
+            </a:gs>
+            <a:gs pos="100000">
+              <a:schemeClr val="phClr">
+                <a:shade val="20000"/>
+                <a:satMod val="255000"/>
+              </a:schemeClr>
+            </a:gs>
+          </a:gsLst>
+          <a:path path="circle">
+            <a:fillToRect b="180000" l="50000" r="50000" t="-80000"/>
+          </a:path>
+        </a:gradFill>
+        <a:gradFill rotWithShape="1">
+          <a:gsLst>
+            <a:gs pos="0">
+              <a:schemeClr val="phClr">
+                <a:tint val="80000"/>
+                <a:satMod val="300000"/>
+              </a:schemeClr>
+            </a:gs>
+            <a:gs pos="100000">
+              <a:schemeClr val="phClr">
+                <a:shade val="30000"/>
+                <a:satMod val="200000"/>
+              </a:schemeClr>
+            </a:gs>
+          </a:gsLst>
+          <a:path path="circle">
+            <a:fillToRect b="50000" l="50000" r="50000" t="50000"/>
+          </a:path>
+        </a:gradFill>
+      </a:bgFillStyleLst>
+    </a:fmtScheme>
+  </a:themeElements>
+</a:theme>
+</file>
+
+<file path=ppt/theme/theme2.xml><?xml version="1.0" encoding="utf-8"?>
+<a:theme xmlns:a="http://schemas.openxmlformats.org/drawingml/2006/main" xmlns:r="http://schemas.openxmlformats.org/officeDocument/2006/relationships" name="khaki">
+  <a:themeElements>
+    <a:clrScheme name="Custom 349">
+      <a:dk1>
+        <a:srgbClr val="262626"/>
+      </a:dk1>
+      <a:lt1>
+        <a:srgbClr val="E6D6BD"/>
+      </a:lt1>
+      <a:dk2>
+        <a:srgbClr val="535353"/>
+      </a:dk2>
+      <a:lt2>
+        <a:srgbClr val="B4AD9E"/>
+      </a:lt2>
+      <a:accent1>
+        <a:srgbClr val="ADB48E"/>
+      </a:accent1>
+      <a:accent2>
+        <a:srgbClr val="867961"/>
+      </a:accent2>
+      <a:accent3>
+        <a:srgbClr val="CBB680"/>
+      </a:accent3>
+      <a:accent4>
+        <a:srgbClr val="78A3C0"/>
+      </a:accent4>
+      <a:accent5>
+        <a:srgbClr val="C0AE91"/>
+      </a:accent5>
+      <a:accent6>
+        <a:srgbClr val="668874"/>
+      </a:accent6>
+      <a:hlink>
+        <a:srgbClr val="4B94B3"/>
+      </a:hlink>
+      <a:folHlink>
+        <a:srgbClr val="414141"/>
+      </a:folHlink>
+    </a:clrScheme>
+    <a:fontScheme name="Office">
+      <a:majorFont>
+        <a:latin typeface="Arial"/>
+        <a:ea typeface=""/>
+        <a:cs typeface=""/>
+        <a:font script="Jpan" typeface="ＭＳ Ｐゴシック"/>
+        <a:font script="Hang" typeface="맑은 고딕"/>
+        <a:font script="Hans" typeface="宋体"/>
+        <a:font script="Hant" typeface="新細明體"/>
+        <a:font script="Arab" typeface="Times New Roman"/>
+        <a:font script="Hebr" typeface="Times New Roman"/>
+        <a:font script="Thai" typeface="Angsana New"/>
+        <a:font script="Ethi" typeface="Nyala"/>
+        <a:font script="Beng" typeface="Vrinda"/>
+        <a:font script="Gujr" typeface="Shruti"/>
+        <a:font script="Khmr" typeface="MoolBoran"/>
+        <a:font script="Knda" typeface="Tunga"/>
+        <a:font script="Guru" typeface="Raavi"/>
+        <a:font script="Cans" typeface="Euphemia"/>
+        <a:font script="Cher" typeface="Plantagenet Cherokee"/>
+        <a:font script="Yiii" typeface="Microsoft Yi Baiti"/>
+        <a:font script="Tibt" typeface="Microsoft Himalaya"/>
+        <a:font script="Thaa" typeface="MV Boli"/>
+        <a:font script="Deva" typeface="Mangal"/>
+        <a:font script="Telu" typeface="Gautami"/>
+        <a:font script="Taml" typeface="Latha"/>
+        <a:font script="Syrc" typeface="Estrangelo Edessa"/>
+        <a:font script="Orya" typeface="Kalinga"/>
+        <a:font script="Mlym" typeface="Kartika"/>
+        <a:font script="Laoo" typeface="DokChampa"/>
+        <a:font script="Sinh" typeface="Iskoola Pota"/>
+        <a:font script="Mong" typeface="Mongolian Baiti"/>
+        <a:font script="Viet" typeface="Times New Roman"/>
+        <a:font script="Uigh" typeface="Microsoft Uighur"/>
+      </a:majorFont>
+      <a:minorFont>
+        <a:latin typeface="Arial"/>
+        <a:ea typeface=""/>
+        <a:cs typeface=""/>
+        <a:font script="Jpan" typeface="ＭＳ Ｐゴシック"/>
+        <a:font script="Hang" typeface="맑은 고딕"/>
+        <a:font script="Hans" typeface="宋体"/>
+        <a:font script="Hant" typeface="新細明體"/>
+        <a:font script="Arab" typeface="Times New Roman"/>
+        <a:font script="Hebr" typeface="Times New Roman"/>
+        <a:font script="Thai" typeface="Angsana New"/>
+        <a:font script="Ethi" typeface="Nyala"/>
+        <a:font script="Beng" typeface="Vrinda"/>
+        <a:font script="Gujr" typeface="Shruti"/>
+        <a:font script="Khmr" typeface="MoolBoran"/>
+        <a:font script="Knda" typeface="Tunga"/>
+        <a:font script="Guru" typeface="Raavi"/>
+        <a:font script="Cans" typeface="Euphemia"/>
+        <a:font script="Cher" typeface="Plantagenet Cherokee"/>
+        <a:font script="Yiii" typeface="Microsoft Yi Baiti"/>
+        <a:font script="Tibt" typeface="Microsoft Himalaya"/>
+        <a:font script="Thaa" typeface="MV Boli"/>
+        <a:font script="Deva" typeface="Mangal"/>
+        <a:font script="Telu" typeface="Gautami"/>
+        <a:font script="Taml" typeface="Latha"/>
+        <a:font script="Syrc" typeface="Estrangelo Edessa"/>
+        <a:font script="Orya" typeface="Kalinga"/>
+        <a:font script="Mlym" typeface="Kartika"/>
+        <a:font script="Laoo" typeface="DokChampa"/>
+        <a:font script="Sinh" typeface="Iskoola Pota"/>
+        <a:font script="Mong" typeface="Mongolian Baiti"/>
+        <a:font script="Viet" typeface="Times New Roman"/>
+        <a:font script="Uigh" typeface="Microsoft Uighur"/>
+      </a:minorFont>
+    </a:fontScheme>
+    <a:fmtScheme name="Office">
+      <a:fillStyleLst>
+        <a:solidFill>
+          <a:schemeClr val="phClr"/>
+        </a:solidFill>
+        <a:gradFill rotWithShape="1">
+          <a:gsLst>
+            <a:gs pos="0">
+              <a:schemeClr val="phClr">
+                <a:tint val="50000"/>
+                <a:satMod val="300000"/>
+              </a:schemeClr>
+            </a:gs>
+            <a:gs pos="35000">
+              <a:schemeClr val="phClr">
+                <a:tint val="37000"/>
+                <a:satMod val="300000"/>
+              </a:schemeClr>
+            </a:gs>
+            <a:gs pos="100000">
+              <a:schemeClr val="phClr">
+                <a:tint val="15000"/>
+                <a:satMod val="350000"/>
+              </a:schemeClr>
+            </a:gs>
+          </a:gsLst>
+          <a:lin ang="16200000" scaled="1"/>
+        </a:gradFill>
+        <a:gradFill rotWithShape="1">
+          <a:gsLst>
+            <a:gs pos="0">
+              <a:schemeClr val="phClr">
+                <a:tint val="100000"/>
+                <a:shade val="100000"/>
+                <a:satMod val="130000"/>
+              </a:schemeClr>
+            </a:gs>
+            <a:gs pos="100000">
+              <a:schemeClr val="phClr">
+                <a:tint val="50000"/>
+                <a:shade val="100000"/>
+                <a:satMod val="350000"/>
+              </a:schemeClr>
+            </a:gs>
+          </a:gsLst>
+          <a:lin ang="16200000" scaled="0"/>
+        </a:gradFill>
+      </a:fillStyleLst>
+      <a:lnStyleLst>
+        <a:ln cap="flat" cmpd="sng" w="9525" algn="ctr">
+          <a:solidFill>
+            <a:schemeClr val="phClr">
+              <a:shade val="95000"/>
+              <a:satMod val="105000"/>
+            </a:schemeClr>
+          </a:solidFill>
+          <a:prstDash val="solid"/>
+        </a:ln>
+        <a:ln cap="flat" cmpd="sng" w="25400" algn="ctr">
+          <a:solidFill>
+            <a:schemeClr val="phClr"/>
+          </a:solidFill>
+          <a:prstDash val="solid"/>
+        </a:ln>
+        <a:ln cap="flat" cmpd="sng" w="38100" algn="ctr">
+          <a:solidFill>
+            <a:schemeClr val="phClr"/>
+          </a:solidFill>
+          <a:prstDash val="solid"/>
+        </a:ln>
+      </a:lnStyleLst>
+      <a:effectStyleLst>
+        <a:effectStyle>
+          <a:effectLst>
+            <a:outerShdw blurRad="40000" rotWithShape="0" dir="5400000" dist="20000">
+              <a:srgbClr val="000000">
+                <a:alpha val="38000"/>
+              </a:srgbClr>
+            </a:outerShdw>
+          </a:effectLst>
+        </a:effectStyle>
+        <a:effectStyle>
+          <a:effectLst>
+            <a:outerShdw blurRad="40000" rotWithShape="0" dir="5400000" dist="23000">
+              <a:srgbClr val="000000">
+                <a:alpha val="35000"/>
+              </a:srgbClr>
+            </a:outerShdw>
+          </a:effectLst>
+        </a:effectStyle>
+        <a:effectStyle>
+          <a:effectLst>
+            <a:outerShdw blurRad="40000" rotWithShape="0" dir="5400000" dist="23000">
+              <a:srgbClr val="000000">
+                <a:alpha val="35000"/>
+              </a:srgbClr>
+            </a:outerShdw>
+          </a:effectLst>
+          <a:scene3d>
+            <a:camera prst="orthographicFront">
+              <a:rot lat="0" lon="0" rev="0"/>
+            </a:camera>
+            <a:lightRig dir="t" rig="threePt">
+              <a:rot lat="0" lon="0" rev="1200000"/>
+            </a:lightRig>
+          </a:scene3d>
+          <a:sp3d>
+            <a:bevelT h="25400" w="63500"/>
+          </a:sp3d>
+        </a:effectStyle>
+      </a:effectStyleLst>
+      <a:bgFillStyleLst>
+        <a:solidFill>
+          <a:schemeClr val="phClr"/>
+        </a:solidFill>
+        <a:gradFill rotWithShape="1">
+          <a:gsLst>
+            <a:gs pos="0">
+              <a:schemeClr val="phClr">
+                <a:tint val="40000"/>
+                <a:satMod val="350000"/>
+              </a:schemeClr>
+            </a:gs>
+            <a:gs pos="40000">
+              <a:schemeClr val="phClr">
+                <a:tint val="45000"/>
+                <a:shade val="99000"/>
+                <a:satMod val="350000"/>
+              </a:schemeClr>
+            </a:gs>
+            <a:gs pos="100000">
+              <a:schemeClr val="phClr">
+                <a:shade val="20000"/>
+                <a:satMod val="255000"/>
+              </a:schemeClr>
+            </a:gs>
+          </a:gsLst>
+          <a:path path="circle">
+            <a:fillToRect b="180000" l="50000" r="50000" t="-80000"/>
+          </a:path>
+        </a:gradFill>
+        <a:gradFill rotWithShape="1">
+          <a:gsLst>
+            <a:gs pos="0">
+              <a:schemeClr val="phClr">
+                <a:tint val="80000"/>
+                <a:satMod val="300000"/>
+              </a:schemeClr>
+            </a:gs>
+            <a:gs pos="100000">
+              <a:schemeClr val="phClr">
+                <a:shade val="30000"/>
+                <a:satMod val="200000"/>
+              </a:schemeClr>
+            </a:gs>
+          </a:gsLst>
+          <a:path path="circle">
+            <a:fillToRect b="50000" l="50000" r="50000" t="50000"/>
+          </a:path>
+        </a:gradFill>
+      </a:bgFillStyleLst>
+    </a:fmtScheme>
+  </a:themeElements>
+</a:theme>
+</file>
+
+<file path=ppt/theme/theme3.xml><?xml version="1.0" encoding="utf-8"?>
 <a:theme xmlns:a="http://schemas.openxmlformats.org/drawingml/2006/main" xmlns:r="http://schemas.openxmlformats.org/officeDocument/2006/relationships" name="Office Theme">
   <a:themeElements>
     <a:clrScheme name="Office">
@@ -7308,558 +7891,4 @@
     </a:lnDef>
   </a:objectDefaults>
 </a:theme>
-</file>
-
-<file path=ppt/theme/theme2.xml><?xml version="1.0" encoding="utf-8"?>
-<a:theme xmlns:a="http://schemas.openxmlformats.org/drawingml/2006/main" xmlns:r="http://schemas.openxmlformats.org/officeDocument/2006/relationships" name="khaki">
-  <a:themeElements>
-    <a:clrScheme name="Custom 349">
-      <a:dk1>
-        <a:srgbClr val="262626"/>
-      </a:dk1>
-      <a:lt1>
-        <a:srgbClr val="E6D6BD"/>
-      </a:lt1>
-      <a:dk2>
-        <a:srgbClr val="535353"/>
-      </a:dk2>
-      <a:lt2>
-        <a:srgbClr val="B4AD9E"/>
-      </a:lt2>
-      <a:accent1>
-        <a:srgbClr val="ADB48E"/>
-      </a:accent1>
-      <a:accent2>
-        <a:srgbClr val="867961"/>
-      </a:accent2>
-      <a:accent3>
-        <a:srgbClr val="CBB680"/>
-      </a:accent3>
-      <a:accent4>
-        <a:srgbClr val="78A3C0"/>
-      </a:accent4>
-      <a:accent5>
-        <a:srgbClr val="C0AE91"/>
-      </a:accent5>
-      <a:accent6>
-        <a:srgbClr val="668874"/>
-      </a:accent6>
-      <a:hlink>
-        <a:srgbClr val="4B94B3"/>
-      </a:hlink>
-      <a:folHlink>
-        <a:srgbClr val="414141"/>
-      </a:folHlink>
-    </a:clrScheme>
-    <a:fontScheme name="Office">
-      <a:majorFont>
-        <a:latin typeface="Arial"/>
-        <a:ea typeface=""/>
-        <a:cs typeface=""/>
-        <a:font script="Jpan" typeface="ＭＳ Ｐゴシック"/>
-        <a:font script="Hang" typeface="맑은 고딕"/>
-        <a:font script="Hans" typeface="宋体"/>
-        <a:font script="Hant" typeface="新細明體"/>
-        <a:font script="Arab" typeface="Times New Roman"/>
-        <a:font script="Hebr" typeface="Times New Roman"/>
-        <a:font script="Thai" typeface="Angsana New"/>
-        <a:font script="Ethi" typeface="Nyala"/>
-        <a:font script="Beng" typeface="Vrinda"/>
-        <a:font script="Gujr" typeface="Shruti"/>
-        <a:font script="Khmr" typeface="MoolBoran"/>
-        <a:font script="Knda" typeface="Tunga"/>
-        <a:font script="Guru" typeface="Raavi"/>
-        <a:font script="Cans" typeface="Euphemia"/>
-        <a:font script="Cher" typeface="Plantagenet Cherokee"/>
-        <a:font script="Yiii" typeface="Microsoft Yi Baiti"/>
-        <a:font script="Tibt" typeface="Microsoft Himalaya"/>
-        <a:font script="Thaa" typeface="MV Boli"/>
-        <a:font script="Deva" typeface="Mangal"/>
-        <a:font script="Telu" typeface="Gautami"/>
-        <a:font script="Taml" typeface="Latha"/>
-        <a:font script="Syrc" typeface="Estrangelo Edessa"/>
-        <a:font script="Orya" typeface="Kalinga"/>
-        <a:font script="Mlym" typeface="Kartika"/>
-        <a:font script="Laoo" typeface="DokChampa"/>
-        <a:font script="Sinh" typeface="Iskoola Pota"/>
-        <a:font script="Mong" typeface="Mongolian Baiti"/>
-        <a:font script="Viet" typeface="Times New Roman"/>
-        <a:font script="Uigh" typeface="Microsoft Uighur"/>
-      </a:majorFont>
-      <a:minorFont>
-        <a:latin typeface="Arial"/>
-        <a:ea typeface=""/>
-        <a:cs typeface=""/>
-        <a:font script="Jpan" typeface="ＭＳ Ｐゴシック"/>
-        <a:font script="Hang" typeface="맑은 고딕"/>
-        <a:font script="Hans" typeface="宋体"/>
-        <a:font script="Hant" typeface="新細明體"/>
-        <a:font script="Arab" typeface="Times New Roman"/>
-        <a:font script="Hebr" typeface="Times New Roman"/>
-        <a:font script="Thai" typeface="Angsana New"/>
-        <a:font script="Ethi" typeface="Nyala"/>
-        <a:font script="Beng" typeface="Vrinda"/>
-        <a:font script="Gujr" typeface="Shruti"/>
-        <a:font script="Khmr" typeface="MoolBoran"/>
-        <a:font script="Knda" typeface="Tunga"/>
-        <a:font script="Guru" typeface="Raavi"/>
-        <a:font script="Cans" typeface="Euphemia"/>
-        <a:font script="Cher" typeface="Plantagenet Cherokee"/>
-        <a:font script="Yiii" typeface="Microsoft Yi Baiti"/>
-        <a:font script="Tibt" typeface="Microsoft Himalaya"/>
-        <a:font script="Thaa" typeface="MV Boli"/>
-        <a:font script="Deva" typeface="Mangal"/>
-        <a:font script="Telu" typeface="Gautami"/>
-        <a:font script="Taml" typeface="Latha"/>
-        <a:font script="Syrc" typeface="Estrangelo Edessa"/>
-        <a:font script="Orya" typeface="Kalinga"/>
-        <a:font script="Mlym" typeface="Kartika"/>
-        <a:font script="Laoo" typeface="DokChampa"/>
-        <a:font script="Sinh" typeface="Iskoola Pota"/>
-        <a:font script="Mong" typeface="Mongolian Baiti"/>
-        <a:font script="Viet" typeface="Times New Roman"/>
-        <a:font script="Uigh" typeface="Microsoft Uighur"/>
-      </a:minorFont>
-    </a:fontScheme>
-    <a:fmtScheme name="Office">
-      <a:fillStyleLst>
-        <a:solidFill>
-          <a:schemeClr val="phClr"/>
-        </a:solidFill>
-        <a:gradFill rotWithShape="1">
-          <a:gsLst>
-            <a:gs pos="0">
-              <a:schemeClr val="phClr">
-                <a:tint val="50000"/>
-                <a:satMod val="300000"/>
-              </a:schemeClr>
-            </a:gs>
-            <a:gs pos="35000">
-              <a:schemeClr val="phClr">
-                <a:tint val="37000"/>
-                <a:satMod val="300000"/>
-              </a:schemeClr>
-            </a:gs>
-            <a:gs pos="100000">
-              <a:schemeClr val="phClr">
-                <a:tint val="15000"/>
-                <a:satMod val="350000"/>
-              </a:schemeClr>
-            </a:gs>
-          </a:gsLst>
-          <a:lin ang="16200000" scaled="1"/>
-        </a:gradFill>
-        <a:gradFill rotWithShape="1">
-          <a:gsLst>
-            <a:gs pos="0">
-              <a:schemeClr val="phClr">
-                <a:tint val="100000"/>
-                <a:shade val="100000"/>
-                <a:satMod val="130000"/>
-              </a:schemeClr>
-            </a:gs>
-            <a:gs pos="100000">
-              <a:schemeClr val="phClr">
-                <a:tint val="50000"/>
-                <a:shade val="100000"/>
-                <a:satMod val="350000"/>
-              </a:schemeClr>
-            </a:gs>
-          </a:gsLst>
-          <a:lin ang="16200000" scaled="0"/>
-        </a:gradFill>
-      </a:fillStyleLst>
-      <a:lnStyleLst>
-        <a:ln cap="flat" cmpd="sng" w="9525" algn="ctr">
-          <a:solidFill>
-            <a:schemeClr val="phClr">
-              <a:shade val="95000"/>
-              <a:satMod val="105000"/>
-            </a:schemeClr>
-          </a:solidFill>
-          <a:prstDash val="solid"/>
-        </a:ln>
-        <a:ln cap="flat" cmpd="sng" w="25400" algn="ctr">
-          <a:solidFill>
-            <a:schemeClr val="phClr"/>
-          </a:solidFill>
-          <a:prstDash val="solid"/>
-        </a:ln>
-        <a:ln cap="flat" cmpd="sng" w="38100" algn="ctr">
-          <a:solidFill>
-            <a:schemeClr val="phClr"/>
-          </a:solidFill>
-          <a:prstDash val="solid"/>
-        </a:ln>
-      </a:lnStyleLst>
-      <a:effectStyleLst>
-        <a:effectStyle>
-          <a:effectLst>
-            <a:outerShdw blurRad="40000" rotWithShape="0" dir="5400000" dist="20000">
-              <a:srgbClr val="000000">
-                <a:alpha val="38000"/>
-              </a:srgbClr>
-            </a:outerShdw>
-          </a:effectLst>
-        </a:effectStyle>
-        <a:effectStyle>
-          <a:effectLst>
-            <a:outerShdw blurRad="40000" rotWithShape="0" dir="5400000" dist="23000">
-              <a:srgbClr val="000000">
-                <a:alpha val="35000"/>
-              </a:srgbClr>
-            </a:outerShdw>
-          </a:effectLst>
-        </a:effectStyle>
-        <a:effectStyle>
-          <a:effectLst>
-            <a:outerShdw blurRad="40000" rotWithShape="0" dir="5400000" dist="23000">
-              <a:srgbClr val="000000">
-                <a:alpha val="35000"/>
-              </a:srgbClr>
-            </a:outerShdw>
-          </a:effectLst>
-          <a:scene3d>
-            <a:camera prst="orthographicFront">
-              <a:rot lat="0" lon="0" rev="0"/>
-            </a:camera>
-            <a:lightRig dir="t" rig="threePt">
-              <a:rot lat="0" lon="0" rev="1200000"/>
-            </a:lightRig>
-          </a:scene3d>
-          <a:sp3d>
-            <a:bevelT h="25400" w="63500"/>
-          </a:sp3d>
-        </a:effectStyle>
-      </a:effectStyleLst>
-      <a:bgFillStyleLst>
-        <a:solidFill>
-          <a:schemeClr val="phClr"/>
-        </a:solidFill>
-        <a:gradFill rotWithShape="1">
-          <a:gsLst>
-            <a:gs pos="0">
-              <a:schemeClr val="phClr">
-                <a:tint val="40000"/>
-                <a:satMod val="350000"/>
-              </a:schemeClr>
-            </a:gs>
-            <a:gs pos="40000">
-              <a:schemeClr val="phClr">
-                <a:tint val="45000"/>
-                <a:shade val="99000"/>
-                <a:satMod val="350000"/>
-              </a:schemeClr>
-            </a:gs>
-            <a:gs pos="100000">
-              <a:schemeClr val="phClr">
-                <a:shade val="20000"/>
-                <a:satMod val="255000"/>
-              </a:schemeClr>
-            </a:gs>
-          </a:gsLst>
-          <a:path path="circle">
-            <a:fillToRect b="180000" l="50000" r="50000" t="-80000"/>
-          </a:path>
-        </a:gradFill>
-        <a:gradFill rotWithShape="1">
-          <a:gsLst>
-            <a:gs pos="0">
-              <a:schemeClr val="phClr">
-                <a:tint val="80000"/>
-                <a:satMod val="300000"/>
-              </a:schemeClr>
-            </a:gs>
-            <a:gs pos="100000">
-              <a:schemeClr val="phClr">
-                <a:shade val="30000"/>
-                <a:satMod val="200000"/>
-              </a:schemeClr>
-            </a:gs>
-          </a:gsLst>
-          <a:path path="circle">
-            <a:fillToRect b="50000" l="50000" r="50000" t="50000"/>
-          </a:path>
-        </a:gradFill>
-      </a:bgFillStyleLst>
-    </a:fmtScheme>
-  </a:themeElements>
-</a:theme>
-</file>
-
-<file path=ppt/theme/theme3.xml><?xml version="1.0" encoding="utf-8"?>
-<a:theme xmlns:a="http://schemas.openxmlformats.org/drawingml/2006/main" xmlns:r="http://schemas.openxmlformats.org/officeDocument/2006/relationships" name="Custom Theme">
-  <a:themeElements>
-    <a:clrScheme name="Default">
-      <a:dk1>
-        <a:srgbClr val="000000"/>
-      </a:dk1>
-      <a:lt1>
-        <a:srgbClr val="FFFFFF"/>
-      </a:lt1>
-      <a:dk2>
-        <a:srgbClr val="158158"/>
-      </a:dk2>
-      <a:lt2>
-        <a:srgbClr val="F3F3F3"/>
-      </a:lt2>
-      <a:accent1>
-        <a:srgbClr val="058DC7"/>
-      </a:accent1>
-      <a:accent2>
-        <a:srgbClr val="50B432"/>
-      </a:accent2>
-      <a:accent3>
-        <a:srgbClr val="ED561B"/>
-      </a:accent3>
-      <a:accent4>
-        <a:srgbClr val="EDEF00"/>
-      </a:accent4>
-      <a:accent5>
-        <a:srgbClr val="24CBE5"/>
-      </a:accent5>
-      <a:accent6>
-        <a:srgbClr val="64E572"/>
-      </a:accent6>
-      <a:hlink>
-        <a:srgbClr val="2200CC"/>
-      </a:hlink>
-      <a:folHlink>
-        <a:srgbClr val="551A8B"/>
-      </a:folHlink>
-    </a:clrScheme>
-    <a:fontScheme name="Office">
-      <a:majorFont>
-        <a:latin typeface="Arial"/>
-        <a:ea typeface=""/>
-        <a:cs typeface=""/>
-        <a:font script="Jpan" typeface="ＭＳ Ｐゴシック"/>
-        <a:font script="Hang" typeface="맑은 고딕"/>
-        <a:font script="Hans" typeface="宋体"/>
-        <a:font script="Hant" typeface="新細明體"/>
-        <a:font script="Arab" typeface="Times New Roman"/>
-        <a:font script="Hebr" typeface="Times New Roman"/>
-        <a:font script="Thai" typeface="Angsana New"/>
-        <a:font script="Ethi" typeface="Nyala"/>
-        <a:font script="Beng" typeface="Vrinda"/>
-        <a:font script="Gujr" typeface="Shruti"/>
-        <a:font script="Khmr" typeface="MoolBoran"/>
-        <a:font script="Knda" typeface="Tunga"/>
-        <a:font script="Guru" typeface="Raavi"/>
-        <a:font script="Cans" typeface="Euphemia"/>
-        <a:font script="Cher" typeface="Plantagenet Cherokee"/>
-        <a:font script="Yiii" typeface="Microsoft Yi Baiti"/>
-        <a:font script="Tibt" typeface="Microsoft Himalaya"/>
-        <a:font script="Thaa" typeface="MV Boli"/>
-        <a:font script="Deva" typeface="Mangal"/>
-        <a:font script="Telu" typeface="Gautami"/>
-        <a:font script="Taml" typeface="Latha"/>
-        <a:font script="Syrc" typeface="Estrangelo Edessa"/>
-        <a:font script="Orya" typeface="Kalinga"/>
-        <a:font script="Mlym" typeface="Kartika"/>
-        <a:font script="Laoo" typeface="DokChampa"/>
-        <a:font script="Sinh" typeface="Iskoola Pota"/>
-        <a:font script="Mong" typeface="Mongolian Baiti"/>
-        <a:font script="Viet" typeface="Times New Roman"/>
-        <a:font script="Uigh" typeface="Microsoft Uighur"/>
-      </a:majorFont>
-      <a:minorFont>
-        <a:latin typeface="Arial"/>
-        <a:ea typeface=""/>
-        <a:cs typeface=""/>
-        <a:font script="Jpan" typeface="ＭＳ Ｐゴシック"/>
-        <a:font script="Hang" typeface="맑은 고딕"/>
-        <a:font script="Hans" typeface="宋体"/>
-        <a:font script="Hant" typeface="新細明體"/>
-        <a:font script="Arab" typeface="Times New Roman"/>
-        <a:font script="Hebr" typeface="Times New Roman"/>
-        <a:font script="Thai" typeface="Angsana New"/>
-        <a:font script="Ethi" typeface="Nyala"/>
-        <a:font script="Beng" typeface="Vrinda"/>
-        <a:font script="Gujr" typeface="Shruti"/>
-        <a:font script="Khmr" typeface="MoolBoran"/>
-        <a:font script="Knda" typeface="Tunga"/>
-        <a:font script="Guru" typeface="Raavi"/>
-        <a:font script="Cans" typeface="Euphemia"/>
-        <a:font script="Cher" typeface="Plantagenet Cherokee"/>
-        <a:font script="Yiii" typeface="Microsoft Yi Baiti"/>
-        <a:font script="Tibt" typeface="Microsoft Himalaya"/>
-        <a:font script="Thaa" typeface="MV Boli"/>
-        <a:font script="Deva" typeface="Mangal"/>
-        <a:font script="Telu" typeface="Gautami"/>
-        <a:font script="Taml" typeface="Latha"/>
-        <a:font script="Syrc" typeface="Estrangelo Edessa"/>
-        <a:font script="Orya" typeface="Kalinga"/>
-        <a:font script="Mlym" typeface="Kartika"/>
-        <a:font script="Laoo" typeface="DokChampa"/>
-        <a:font script="Sinh" typeface="Iskoola Pota"/>
-        <a:font script="Mong" typeface="Mongolian Baiti"/>
-        <a:font script="Viet" typeface="Times New Roman"/>
-        <a:font script="Uigh" typeface="Microsoft Uighur"/>
-      </a:minorFont>
-    </a:fontScheme>
-    <a:fmtScheme name="Office">
-      <a:fillStyleLst>
-        <a:solidFill>
-          <a:schemeClr val="phClr"/>
-        </a:solidFill>
-        <a:gradFill rotWithShape="1">
-          <a:gsLst>
-            <a:gs pos="0">
-              <a:schemeClr val="phClr">
-                <a:tint val="50000"/>
-                <a:satMod val="300000"/>
-              </a:schemeClr>
-            </a:gs>
-            <a:gs pos="35000">
-              <a:schemeClr val="phClr">
-                <a:tint val="37000"/>
-                <a:satMod val="300000"/>
-              </a:schemeClr>
-            </a:gs>
-            <a:gs pos="100000">
-              <a:schemeClr val="phClr">
-                <a:tint val="15000"/>
-                <a:satMod val="350000"/>
-              </a:schemeClr>
-            </a:gs>
-          </a:gsLst>
-          <a:lin ang="16200000" scaled="1"/>
-        </a:gradFill>
-        <a:gradFill rotWithShape="1">
-          <a:gsLst>
-            <a:gs pos="0">
-              <a:schemeClr val="phClr">
-                <a:tint val="100000"/>
-                <a:shade val="100000"/>
-                <a:satMod val="130000"/>
-              </a:schemeClr>
-            </a:gs>
-            <a:gs pos="100000">
-              <a:schemeClr val="phClr">
-                <a:tint val="50000"/>
-                <a:shade val="100000"/>
-                <a:satMod val="350000"/>
-              </a:schemeClr>
-            </a:gs>
-          </a:gsLst>
-          <a:lin ang="16200000" scaled="0"/>
-        </a:gradFill>
-      </a:fillStyleLst>
-      <a:lnStyleLst>
-        <a:ln cap="flat" cmpd="sng" w="9525" algn="ctr">
-          <a:solidFill>
-            <a:schemeClr val="phClr">
-              <a:shade val="95000"/>
-              <a:satMod val="105000"/>
-            </a:schemeClr>
-          </a:solidFill>
-          <a:prstDash val="solid"/>
-        </a:ln>
-        <a:ln cap="flat" cmpd="sng" w="25400" algn="ctr">
-          <a:solidFill>
-            <a:schemeClr val="phClr"/>
-          </a:solidFill>
-          <a:prstDash val="solid"/>
-        </a:ln>
-        <a:ln cap="flat" cmpd="sng" w="38100" algn="ctr">
-          <a:solidFill>
-            <a:schemeClr val="phClr"/>
-          </a:solidFill>
-          <a:prstDash val="solid"/>
-        </a:ln>
-      </a:lnStyleLst>
-      <a:effectStyleLst>
-        <a:effectStyle>
-          <a:effectLst>
-            <a:outerShdw blurRad="40000" rotWithShape="0" dir="5400000" dist="20000">
-              <a:srgbClr val="000000">
-                <a:alpha val="38000"/>
-              </a:srgbClr>
-            </a:outerShdw>
-          </a:effectLst>
-        </a:effectStyle>
-        <a:effectStyle>
-          <a:effectLst>
-            <a:outerShdw blurRad="40000" rotWithShape="0" dir="5400000" dist="23000">
-              <a:srgbClr val="000000">
-                <a:alpha val="35000"/>
-              </a:srgbClr>
-            </a:outerShdw>
-          </a:effectLst>
-        </a:effectStyle>
-        <a:effectStyle>
-          <a:effectLst>
-            <a:outerShdw blurRad="40000" rotWithShape="0" dir="5400000" dist="23000">
-              <a:srgbClr val="000000">
-                <a:alpha val="35000"/>
-              </a:srgbClr>
-            </a:outerShdw>
-          </a:effectLst>
-          <a:scene3d>
-            <a:camera prst="orthographicFront">
-              <a:rot lat="0" lon="0" rev="0"/>
-            </a:camera>
-            <a:lightRig dir="t" rig="threePt">
-              <a:rot lat="0" lon="0" rev="1200000"/>
-            </a:lightRig>
-          </a:scene3d>
-          <a:sp3d>
-            <a:bevelT h="25400" w="63500"/>
-          </a:sp3d>
-        </a:effectStyle>
-      </a:effectStyleLst>
-      <a:bgFillStyleLst>
-        <a:solidFill>
-          <a:schemeClr val="phClr"/>
-        </a:solidFill>
-        <a:gradFill rotWithShape="1">
-          <a:gsLst>
-            <a:gs pos="0">
-              <a:schemeClr val="phClr">
-                <a:tint val="40000"/>
-                <a:satMod val="350000"/>
-              </a:schemeClr>
-            </a:gs>
-            <a:gs pos="40000">
-              <a:schemeClr val="phClr">
-                <a:tint val="45000"/>
-                <a:shade val="99000"/>
-                <a:satMod val="350000"/>
-              </a:schemeClr>
-            </a:gs>
-            <a:gs pos="100000">
-              <a:schemeClr val="phClr">
-                <a:shade val="20000"/>
-                <a:satMod val="255000"/>
-              </a:schemeClr>
-            </a:gs>
-          </a:gsLst>
-          <a:path path="circle">
-            <a:fillToRect b="180000" l="50000" r="50000" t="-80000"/>
-          </a:path>
-        </a:gradFill>
-        <a:gradFill rotWithShape="1">
-          <a:gsLst>
-            <a:gs pos="0">
-              <a:schemeClr val="phClr">
-                <a:tint val="80000"/>
-                <a:satMod val="300000"/>
-              </a:schemeClr>
-            </a:gs>
-            <a:gs pos="100000">
-              <a:schemeClr val="phClr">
-                <a:shade val="30000"/>
-                <a:satMod val="200000"/>
-              </a:schemeClr>
-            </a:gs>
-          </a:gsLst>
-          <a:path path="circle">
-            <a:fillToRect b="50000" l="50000" r="50000" t="50000"/>
-          </a:path>
-        </a:gradFill>
-      </a:bgFillStyleLst>
-    </a:fmtScheme>
-  </a:themeElements>
-</a:theme>
 </file>
--- a/CS347 PROJECT PRESENTATION.pptx
+++ b/CS347 PROJECT PRESENTATION.pptx
@@ -5003,18 +5003,6 @@
           </a:bodyPr>
           <a:lstStyle/>
           <a:p>
-            <a:pPr lvl="0" rtl="0">
-              <a:spcBef>
-                <a:spcPts val="0"/>
-              </a:spcBef>
-              <a:buNone/>
-            </a:pPr>
-            <a:r>
-              <a:t/>
-            </a:r>
-            <a:endParaRPr sz="1400"/>
-          </a:p>
-          <a:p>
             <a:pPr indent="-317500" lvl="0" marL="457200" rtl="0">
               <a:spcBef>
                 <a:spcPts val="0"/>
@@ -5028,7 +5016,7 @@
             </a:pPr>
             <a:r>
               <a:rPr lang="en" sz="1400"/>
-              <a:t>MINOR: Cloning memberships doesn’t filter out already existing memberships so you can get duplicate memberships</a:t>
+              <a:t>Region display selector does not properly draw column names for all tabs when SHOW_ALL option is turned off.  It will only show column names for the currently selected tab</a:t>
             </a:r>
             <a:br>
               <a:rPr lang="en" sz="1400"/>
@@ -5048,84 +5036,7 @@
             </a:pPr>
             <a:r>
               <a:rPr lang="en" sz="1400"/>
-              <a:t>APEX BUGS</a:t>
-            </a:r>
-          </a:p>
-          <a:p>
-            <a:pPr indent="-317500" lvl="1" marL="914400" rtl="0">
-              <a:spcBef>
-                <a:spcPts val="0"/>
-              </a:spcBef>
-              <a:buClr>
-                <a:schemeClr val="dk2"/>
-              </a:buClr>
-              <a:buSzPct val="100000"/>
-              <a:buFont typeface="Courier New"/>
-              <a:buChar char="o"/>
-            </a:pPr>
-            <a:r>
-              <a:rPr lang="en" sz="1400"/>
-              <a:t>Committing either of the shuttles clears the selection for the other shuttle.  This appears to be an APEX issue as both of the submit processes are conditional on the specific button.  Somehow during the commit, the page refresh is commiting the other shuttles selection when it’s in the intermediate step of just loading the full list of members (before the members are moved to the right side of the shuttle)</a:t>
-            </a:r>
-            <a:br>
-              <a:rPr lang="en" sz="1400"/>
-            </a:br>
-          </a:p>
-          <a:p>
-            <a:pPr indent="-317500" lvl="1" marL="914400" rtl="0">
-              <a:spcBef>
-                <a:spcPts val="0"/>
-              </a:spcBef>
-              <a:buClr>
-                <a:schemeClr val="dk2"/>
-              </a:buClr>
-              <a:buSzPct val="100000"/>
-              <a:buFont typeface="Courier New"/>
-              <a:buChar char="o"/>
-            </a:pPr>
-            <a:r>
-              <a:rPr lang="en" sz="1400"/>
-              <a:t>Region display selector does not properly draw column names for all tabs when SHOW_ALL option is turned off.  It will only show column names for the currently selected tab</a:t>
-            </a:r>
-            <a:br>
-              <a:rPr lang="en" sz="1400"/>
-            </a:br>
-          </a:p>
-          <a:p>
-            <a:pPr indent="-317500" lvl="1" marL="914400" rtl="0">
-              <a:spcBef>
-                <a:spcPts val="0"/>
-              </a:spcBef>
-              <a:buClr>
-                <a:schemeClr val="dk2"/>
-              </a:buClr>
-              <a:buSzPct val="100000"/>
-              <a:buFont typeface="Courier New"/>
-              <a:buChar char="o"/>
-            </a:pPr>
-            <a:r>
-              <a:rPr lang="en" sz="1400"/>
               <a:t>Tree control is ‘legacy’ and doesn’t support cascading LOVs.  The only way to update it is to submit the page.</a:t>
-            </a:r>
-            <a:br>
-              <a:rPr lang="en" sz="1400"/>
-            </a:br>
-          </a:p>
-          <a:p>
-            <a:pPr indent="-317500" lvl="1" marL="914400">
-              <a:spcBef>
-                <a:spcPts val="0"/>
-              </a:spcBef>
-              <a:buClr>
-                <a:schemeClr val="dk2"/>
-              </a:buClr>
-              <a:buSzPct val="100000"/>
-              <a:buFont typeface="Courier New"/>
-              <a:buChar char="o"/>
-            </a:pPr>
-            <a:r>
-              <a:rPr lang="en" sz="1400"/>
-              <a:t>Cascading LOVs can’t reliably update the shuttle because the shuttle requires a secondary process to sort members into the right and left hand sides.</a:t>
             </a:r>
           </a:p>
         </p:txBody>
@@ -7023,283 +6934,6 @@
 </file>
 
 <file path=ppt/theme/theme1.xml><?xml version="1.0" encoding="utf-8"?>
-<a:theme xmlns:a="http://schemas.openxmlformats.org/drawingml/2006/main" xmlns:r="http://schemas.openxmlformats.org/officeDocument/2006/relationships" name="Custom Theme">
-  <a:themeElements>
-    <a:clrScheme name="Default">
-      <a:dk1>
-        <a:srgbClr val="000000"/>
-      </a:dk1>
-      <a:lt1>
-        <a:srgbClr val="FFFFFF"/>
-      </a:lt1>
-      <a:dk2>
-        <a:srgbClr val="158158"/>
-      </a:dk2>
-      <a:lt2>
-        <a:srgbClr val="F3F3F3"/>
-      </a:lt2>
-      <a:accent1>
-        <a:srgbClr val="058DC7"/>
-      </a:accent1>
-      <a:accent2>
-        <a:srgbClr val="50B432"/>
-      </a:accent2>
-      <a:accent3>
-        <a:srgbClr val="ED561B"/>
-      </a:accent3>
-      <a:accent4>
-        <a:srgbClr val="EDEF00"/>
-      </a:accent4>
-      <a:accent5>
-        <a:srgbClr val="24CBE5"/>
-      </a:accent5>
-      <a:accent6>
-        <a:srgbClr val="64E572"/>
-      </a:accent6>
-      <a:hlink>
-        <a:srgbClr val="2200CC"/>
-      </a:hlink>
-      <a:folHlink>
-        <a:srgbClr val="551A8B"/>
-      </a:folHlink>
-    </a:clrScheme>
-    <a:fontScheme name="Office">
-      <a:majorFont>
-        <a:latin typeface="Arial"/>
-        <a:ea typeface=""/>
-        <a:cs typeface=""/>
-        <a:font script="Jpan" typeface="ＭＳ Ｐゴシック"/>
-        <a:font script="Hang" typeface="맑은 고딕"/>
-        <a:font script="Hans" typeface="宋体"/>
-        <a:font script="Hant" typeface="新細明體"/>
-        <a:font script="Arab" typeface="Times New Roman"/>
-        <a:font script="Hebr" typeface="Times New Roman"/>
-        <a:font script="Thai" typeface="Angsana New"/>
-        <a:font script="Ethi" typeface="Nyala"/>
-        <a:font script="Beng" typeface="Vrinda"/>
-        <a:font script="Gujr" typeface="Shruti"/>
-        <a:font script="Khmr" typeface="MoolBoran"/>
-        <a:font script="Knda" typeface="Tunga"/>
-        <a:font script="Guru" typeface="Raavi"/>
-        <a:font script="Cans" typeface="Euphemia"/>
-        <a:font script="Cher" typeface="Plantagenet Cherokee"/>
-        <a:font script="Yiii" typeface="Microsoft Yi Baiti"/>
-        <a:font script="Tibt" typeface="Microsoft Himalaya"/>
-        <a:font script="Thaa" typeface="MV Boli"/>
-        <a:font script="Deva" typeface="Mangal"/>
-        <a:font script="Telu" typeface="Gautami"/>
-        <a:font script="Taml" typeface="Latha"/>
-        <a:font script="Syrc" typeface="Estrangelo Edessa"/>
-        <a:font script="Orya" typeface="Kalinga"/>
-        <a:font script="Mlym" typeface="Kartika"/>
-        <a:font script="Laoo" typeface="DokChampa"/>
-        <a:font script="Sinh" typeface="Iskoola Pota"/>
-        <a:font script="Mong" typeface="Mongolian Baiti"/>
-        <a:font script="Viet" typeface="Times New Roman"/>
-        <a:font script="Uigh" typeface="Microsoft Uighur"/>
-      </a:majorFont>
-      <a:minorFont>
-        <a:latin typeface="Arial"/>
-        <a:ea typeface=""/>
-        <a:cs typeface=""/>
-        <a:font script="Jpan" typeface="ＭＳ Ｐゴシック"/>
-        <a:font script="Hang" typeface="맑은 고딕"/>
-        <a:font script="Hans" typeface="宋体"/>
-        <a:font script="Hant" typeface="新細明體"/>
-        <a:font script="Arab" typeface="Times New Roman"/>
-        <a:font script="Hebr" typeface="Times New Roman"/>
-        <a:font script="Thai" typeface="Angsana New"/>
-        <a:font script="Ethi" typeface="Nyala"/>
-        <a:font script="Beng" typeface="Vrinda"/>
-        <a:font script="Gujr" typeface="Shruti"/>
-        <a:font script="Khmr" typeface="MoolBoran"/>
-        <a:font script="Knda" typeface="Tunga"/>
-        <a:font script="Guru" typeface="Raavi"/>
-        <a:font script="Cans" typeface="Euphemia"/>
-        <a:font script="Cher" typeface="Plantagenet Cherokee"/>
-        <a:font script="Yiii" typeface="Microsoft Yi Baiti"/>
-        <a:font script="Tibt" typeface="Microsoft Himalaya"/>
-        <a:font script="Thaa" typeface="MV Boli"/>
-        <a:font script="Deva" typeface="Mangal"/>
-        <a:font script="Telu" typeface="Gautami"/>
-        <a:font script="Taml" typeface="Latha"/>
-        <a:font script="Syrc" typeface="Estrangelo Edessa"/>
-        <a:font script="Orya" typeface="Kalinga"/>
-        <a:font script="Mlym" typeface="Kartika"/>
-        <a:font script="Laoo" typeface="DokChampa"/>
-        <a:font script="Sinh" typeface="Iskoola Pota"/>
-        <a:font script="Mong" typeface="Mongolian Baiti"/>
-        <a:font script="Viet" typeface="Times New Roman"/>
-        <a:font script="Uigh" typeface="Microsoft Uighur"/>
-      </a:minorFont>
-    </a:fontScheme>
-    <a:fmtScheme name="Office">
-      <a:fillStyleLst>
-        <a:solidFill>
-          <a:schemeClr val="phClr"/>
-        </a:solidFill>
-        <a:gradFill rotWithShape="1">
-          <a:gsLst>
-            <a:gs pos="0">
-              <a:schemeClr val="phClr">
-                <a:tint val="50000"/>
-                <a:satMod val="300000"/>
-              </a:schemeClr>
-            </a:gs>
-            <a:gs pos="35000">
-              <a:schemeClr val="phClr">
-                <a:tint val="37000"/>
-                <a:satMod val="300000"/>
-              </a:schemeClr>
-            </a:gs>
-            <a:gs pos="100000">
-              <a:schemeClr val="phClr">
-                <a:tint val="15000"/>
-                <a:satMod val="350000"/>
-              </a:schemeClr>
-            </a:gs>
-          </a:gsLst>
-          <a:lin ang="16200000" scaled="1"/>
-        </a:gradFill>
-        <a:gradFill rotWithShape="1">
-          <a:gsLst>
-            <a:gs pos="0">
-              <a:schemeClr val="phClr">
-                <a:tint val="100000"/>
-                <a:shade val="100000"/>
-                <a:satMod val="130000"/>
-              </a:schemeClr>
-            </a:gs>
-            <a:gs pos="100000">
-              <a:schemeClr val="phClr">
-                <a:tint val="50000"/>
-                <a:shade val="100000"/>
-                <a:satMod val="350000"/>
-              </a:schemeClr>
-            </a:gs>
-          </a:gsLst>
-          <a:lin ang="16200000" scaled="0"/>
-        </a:gradFill>
-      </a:fillStyleLst>
-      <a:lnStyleLst>
-        <a:ln cap="flat" cmpd="sng" w="9525" algn="ctr">
-          <a:solidFill>
-            <a:schemeClr val="phClr">
-              <a:shade val="95000"/>
-              <a:satMod val="105000"/>
-            </a:schemeClr>
-          </a:solidFill>
-          <a:prstDash val="solid"/>
-        </a:ln>
-        <a:ln cap="flat" cmpd="sng" w="25400" algn="ctr">
-          <a:solidFill>
-            <a:schemeClr val="phClr"/>
-          </a:solidFill>
-          <a:prstDash val="solid"/>
-        </a:ln>
-        <a:ln cap="flat" cmpd="sng" w="38100" algn="ctr">
-          <a:solidFill>
-            <a:schemeClr val="phClr"/>
-          </a:solidFill>
-          <a:prstDash val="solid"/>
-        </a:ln>
-      </a:lnStyleLst>
-      <a:effectStyleLst>
-        <a:effectStyle>
-          <a:effectLst>
-            <a:outerShdw blurRad="40000" rotWithShape="0" dir="5400000" dist="20000">
-              <a:srgbClr val="000000">
-                <a:alpha val="38000"/>
-              </a:srgbClr>
-            </a:outerShdw>
-          </a:effectLst>
-        </a:effectStyle>
-        <a:effectStyle>
-          <a:effectLst>
-            <a:outerShdw blurRad="40000" rotWithShape="0" dir="5400000" dist="23000">
-              <a:srgbClr val="000000">
-                <a:alpha val="35000"/>
-              </a:srgbClr>
-            </a:outerShdw>
-          </a:effectLst>
-        </a:effectStyle>
-        <a:effectStyle>
-          <a:effectLst>
-            <a:outerShdw blurRad="40000" rotWithShape="0" dir="5400000" dist="23000">
-              <a:srgbClr val="000000">
-                <a:alpha val="35000"/>
-              </a:srgbClr>
-            </a:outerShdw>
-          </a:effectLst>
-          <a:scene3d>
-            <a:camera prst="orthographicFront">
-              <a:rot lat="0" lon="0" rev="0"/>
-            </a:camera>
-            <a:lightRig dir="t" rig="threePt">
-              <a:rot lat="0" lon="0" rev="1200000"/>
-            </a:lightRig>
-          </a:scene3d>
-          <a:sp3d>
-            <a:bevelT h="25400" w="63500"/>
-          </a:sp3d>
-        </a:effectStyle>
-      </a:effectStyleLst>
-      <a:bgFillStyleLst>
-        <a:solidFill>
-          <a:schemeClr val="phClr"/>
-        </a:solidFill>
-        <a:gradFill rotWithShape="1">
-          <a:gsLst>
-            <a:gs pos="0">
-              <a:schemeClr val="phClr">
-                <a:tint val="40000"/>
-                <a:satMod val="350000"/>
-              </a:schemeClr>
-            </a:gs>
-            <a:gs pos="40000">
-              <a:schemeClr val="phClr">
-                <a:tint val="45000"/>
-                <a:shade val="99000"/>
-                <a:satMod val="350000"/>
-              </a:schemeClr>
-            </a:gs>
-            <a:gs pos="100000">
-              <a:schemeClr val="phClr">
-                <a:shade val="20000"/>
-                <a:satMod val="255000"/>
-              </a:schemeClr>
-            </a:gs>
-          </a:gsLst>
-          <a:path path="circle">
-            <a:fillToRect b="180000" l="50000" r="50000" t="-80000"/>
-          </a:path>
-        </a:gradFill>
-        <a:gradFill rotWithShape="1">
-          <a:gsLst>
-            <a:gs pos="0">
-              <a:schemeClr val="phClr">
-                <a:tint val="80000"/>
-                <a:satMod val="300000"/>
-              </a:schemeClr>
-            </a:gs>
-            <a:gs pos="100000">
-              <a:schemeClr val="phClr">
-                <a:shade val="30000"/>
-                <a:satMod val="200000"/>
-              </a:schemeClr>
-            </a:gs>
-          </a:gsLst>
-          <a:path path="circle">
-            <a:fillToRect b="50000" l="50000" r="50000" t="50000"/>
-          </a:path>
-        </a:gradFill>
-      </a:bgFillStyleLst>
-    </a:fmtScheme>
-  </a:themeElements>
-</a:theme>
-</file>
-
-<file path=ppt/theme/theme2.xml><?xml version="1.0" encoding="utf-8"?>
 <a:theme xmlns:a="http://schemas.openxmlformats.org/drawingml/2006/main" xmlns:r="http://schemas.openxmlformats.org/officeDocument/2006/relationships" name="khaki">
   <a:themeElements>
     <a:clrScheme name="Custom 349">
@@ -7576,7 +7210,7 @@
 </a:theme>
 </file>
 
-<file path=ppt/theme/theme3.xml><?xml version="1.0" encoding="utf-8"?>
+<file path=ppt/theme/theme2.xml><?xml version="1.0" encoding="utf-8"?>
 <a:theme xmlns:a="http://schemas.openxmlformats.org/drawingml/2006/main" xmlns:r="http://schemas.openxmlformats.org/officeDocument/2006/relationships" name="Office Theme">
   <a:themeElements>
     <a:clrScheme name="Office">
@@ -7891,4 +7525,281 @@
     </a:lnDef>
   </a:objectDefaults>
 </a:theme>
+</file>
+
+<file path=ppt/theme/theme3.xml><?xml version="1.0" encoding="utf-8"?>
+<a:theme xmlns:a="http://schemas.openxmlformats.org/drawingml/2006/main" xmlns:r="http://schemas.openxmlformats.org/officeDocument/2006/relationships" name="Custom Theme">
+  <a:themeElements>
+    <a:clrScheme name="Default">
+      <a:dk1>
+        <a:srgbClr val="000000"/>
+      </a:dk1>
+      <a:lt1>
+        <a:srgbClr val="FFFFFF"/>
+      </a:lt1>
+      <a:dk2>
+        <a:srgbClr val="158158"/>
+      </a:dk2>
+      <a:lt2>
+        <a:srgbClr val="F3F3F3"/>
+      </a:lt2>
+      <a:accent1>
+        <a:srgbClr val="058DC7"/>
+      </a:accent1>
+      <a:accent2>
+        <a:srgbClr val="50B432"/>
+      </a:accent2>
+      <a:accent3>
+        <a:srgbClr val="ED561B"/>
+      </a:accent3>
+      <a:accent4>
+        <a:srgbClr val="EDEF00"/>
+      </a:accent4>
+      <a:accent5>
+        <a:srgbClr val="24CBE5"/>
+      </a:accent5>
+      <a:accent6>
+        <a:srgbClr val="64E572"/>
+      </a:accent6>
+      <a:hlink>
+        <a:srgbClr val="2200CC"/>
+      </a:hlink>
+      <a:folHlink>
+        <a:srgbClr val="551A8B"/>
+      </a:folHlink>
+    </a:clrScheme>
+    <a:fontScheme name="Office">
+      <a:majorFont>
+        <a:latin typeface="Arial"/>
+        <a:ea typeface=""/>
+        <a:cs typeface=""/>
+        <a:font script="Jpan" typeface="ＭＳ Ｐゴシック"/>
+        <a:font script="Hang" typeface="맑은 고딕"/>
+        <a:font script="Hans" typeface="宋体"/>
+        <a:font script="Hant" typeface="新細明體"/>
+        <a:font script="Arab" typeface="Times New Roman"/>
+        <a:font script="Hebr" typeface="Times New Roman"/>
+        <a:font script="Thai" typeface="Angsana New"/>
+        <a:font script="Ethi" typeface="Nyala"/>
+        <a:font script="Beng" typeface="Vrinda"/>
+        <a:font script="Gujr" typeface="Shruti"/>
+        <a:font script="Khmr" typeface="MoolBoran"/>
+        <a:font script="Knda" typeface="Tunga"/>
+        <a:font script="Guru" typeface="Raavi"/>
+        <a:font script="Cans" typeface="Euphemia"/>
+        <a:font script="Cher" typeface="Plantagenet Cherokee"/>
+        <a:font script="Yiii" typeface="Microsoft Yi Baiti"/>
+        <a:font script="Tibt" typeface="Microsoft Himalaya"/>
+        <a:font script="Thaa" typeface="MV Boli"/>
+        <a:font script="Deva" typeface="Mangal"/>
+        <a:font script="Telu" typeface="Gautami"/>
+        <a:font script="Taml" typeface="Latha"/>
+        <a:font script="Syrc" typeface="Estrangelo Edessa"/>
+        <a:font script="Orya" typeface="Kalinga"/>
+        <a:font script="Mlym" typeface="Kartika"/>
+        <a:font script="Laoo" typeface="DokChampa"/>
+        <a:font script="Sinh" typeface="Iskoola Pota"/>
+        <a:font script="Mong" typeface="Mongolian Baiti"/>
+        <a:font script="Viet" typeface="Times New Roman"/>
+        <a:font script="Uigh" typeface="Microsoft Uighur"/>
+      </a:majorFont>
+      <a:minorFont>
+        <a:latin typeface="Arial"/>
+        <a:ea typeface=""/>
+        <a:cs typeface=""/>
+        <a:font script="Jpan" typeface="ＭＳ Ｐゴシック"/>
+        <a:font script="Hang" typeface="맑은 고딕"/>
+        <a:font script="Hans" typeface="宋体"/>
+        <a:font script="Hant" typeface="新細明體"/>
+        <a:font script="Arab" typeface="Times New Roman"/>
+        <a:font script="Hebr" typeface="Times New Roman"/>
+        <a:font script="Thai" typeface="Angsana New"/>
+        <a:font script="Ethi" typeface="Nyala"/>
+        <a:font script="Beng" typeface="Vrinda"/>
+        <a:font script="Gujr" typeface="Shruti"/>
+        <a:font script="Khmr" typeface="MoolBoran"/>
+        <a:font script="Knda" typeface="Tunga"/>
+        <a:font script="Guru" typeface="Raavi"/>
+        <a:font script="Cans" typeface="Euphemia"/>
+        <a:font script="Cher" typeface="Plantagenet Cherokee"/>
+        <a:font script="Yiii" typeface="Microsoft Yi Baiti"/>
+        <a:font script="Tibt" typeface="Microsoft Himalaya"/>
+        <a:font script="Thaa" typeface="MV Boli"/>
+        <a:font script="Deva" typeface="Mangal"/>
+        <a:font script="Telu" typeface="Gautami"/>
+        <a:font script="Taml" typeface="Latha"/>
+        <a:font script="Syrc" typeface="Estrangelo Edessa"/>
+        <a:font script="Orya" typeface="Kalinga"/>
+        <a:font script="Mlym" typeface="Kartika"/>
+        <a:font script="Laoo" typeface="DokChampa"/>
+        <a:font script="Sinh" typeface="Iskoola Pota"/>
+        <a:font script="Mong" typeface="Mongolian Baiti"/>
+        <a:font script="Viet" typeface="Times New Roman"/>
+        <a:font script="Uigh" typeface="Microsoft Uighur"/>
+      </a:minorFont>
+    </a:fontScheme>
+    <a:fmtScheme name="Office">
+      <a:fillStyleLst>
+        <a:solidFill>
+          <a:schemeClr val="phClr"/>
+        </a:solidFill>
+        <a:gradFill rotWithShape="1">
+          <a:gsLst>
+            <a:gs pos="0">
+              <a:schemeClr val="phClr">
+                <a:tint val="50000"/>
+                <a:satMod val="300000"/>
+              </a:schemeClr>
+            </a:gs>
+            <a:gs pos="35000">
+              <a:schemeClr val="phClr">
+                <a:tint val="37000"/>
+                <a:satMod val="300000"/>
+              </a:schemeClr>
+            </a:gs>
+            <a:gs pos="100000">
+              <a:schemeClr val="phClr">
+                <a:tint val="15000"/>
+                <a:satMod val="350000"/>
+              </a:schemeClr>
+            </a:gs>
+          </a:gsLst>
+          <a:lin ang="16200000" scaled="1"/>
+        </a:gradFill>
+        <a:gradFill rotWithShape="1">
+          <a:gsLst>
+            <a:gs pos="0">
+              <a:schemeClr val="phClr">
+                <a:tint val="100000"/>
+                <a:shade val="100000"/>
+                <a:satMod val="130000"/>
+              </a:schemeClr>
+            </a:gs>
+            <a:gs pos="100000">
+              <a:schemeClr val="phClr">
+                <a:tint val="50000"/>
+                <a:shade val="100000"/>
+                <a:satMod val="350000"/>
+              </a:schemeClr>
+            </a:gs>
+          </a:gsLst>
+          <a:lin ang="16200000" scaled="0"/>
+        </a:gradFill>
+      </a:fillStyleLst>
+      <a:lnStyleLst>
+        <a:ln cap="flat" cmpd="sng" w="9525" algn="ctr">
+          <a:solidFill>
+            <a:schemeClr val="phClr">
+              <a:shade val="95000"/>
+              <a:satMod val="105000"/>
+            </a:schemeClr>
+          </a:solidFill>
+          <a:prstDash val="solid"/>
+        </a:ln>
+        <a:ln cap="flat" cmpd="sng" w="25400" algn="ctr">
+          <a:solidFill>
+            <a:schemeClr val="phClr"/>
+          </a:solidFill>
+          <a:prstDash val="solid"/>
+        </a:ln>
+        <a:ln cap="flat" cmpd="sng" w="38100" algn="ctr">
+          <a:solidFill>
+            <a:schemeClr val="phClr"/>
+          </a:solidFill>
+          <a:prstDash val="solid"/>
+        </a:ln>
+      </a:lnStyleLst>
+      <a:effectStyleLst>
+        <a:effectStyle>
+          <a:effectLst>
+            <a:outerShdw blurRad="40000" rotWithShape="0" dir="5400000" dist="20000">
+              <a:srgbClr val="000000">
+                <a:alpha val="38000"/>
+              </a:srgbClr>
+            </a:outerShdw>
+          </a:effectLst>
+        </a:effectStyle>
+        <a:effectStyle>
+          <a:effectLst>
+            <a:outerShdw blurRad="40000" rotWithShape="0" dir="5400000" dist="23000">
+              <a:srgbClr val="000000">
+                <a:alpha val="35000"/>
+              </a:srgbClr>
+            </a:outerShdw>
+          </a:effectLst>
+        </a:effectStyle>
+        <a:effectStyle>
+          <a:effectLst>
+            <a:outerShdw blurRad="40000" rotWithShape="0" dir="5400000" dist="23000">
+              <a:srgbClr val="000000">
+                <a:alpha val="35000"/>
+              </a:srgbClr>
+            </a:outerShdw>
+          </a:effectLst>
+          <a:scene3d>
+            <a:camera prst="orthographicFront">
+              <a:rot lat="0" lon="0" rev="0"/>
+            </a:camera>
+            <a:lightRig dir="t" rig="threePt">
+              <a:rot lat="0" lon="0" rev="1200000"/>
+            </a:lightRig>
+          </a:scene3d>
+          <a:sp3d>
+            <a:bevelT h="25400" w="63500"/>
+          </a:sp3d>
+        </a:effectStyle>
+      </a:effectStyleLst>
+      <a:bgFillStyleLst>
+        <a:solidFill>
+          <a:schemeClr val="phClr"/>
+        </a:solidFill>
+        <a:gradFill rotWithShape="1">
+          <a:gsLst>
+            <a:gs pos="0">
+              <a:schemeClr val="phClr">
+                <a:tint val="40000"/>
+                <a:satMod val="350000"/>
+              </a:schemeClr>
+            </a:gs>
+            <a:gs pos="40000">
+              <a:schemeClr val="phClr">
+                <a:tint val="45000"/>
+                <a:shade val="99000"/>
+                <a:satMod val="350000"/>
+              </a:schemeClr>
+            </a:gs>
+            <a:gs pos="100000">
+              <a:schemeClr val="phClr">
+                <a:shade val="20000"/>
+                <a:satMod val="255000"/>
+              </a:schemeClr>
+            </a:gs>
+          </a:gsLst>
+          <a:path path="circle">
+            <a:fillToRect b="180000" l="50000" r="50000" t="-80000"/>
+          </a:path>
+        </a:gradFill>
+        <a:gradFill rotWithShape="1">
+          <a:gsLst>
+            <a:gs pos="0">
+              <a:schemeClr val="phClr">
+                <a:tint val="80000"/>
+                <a:satMod val="300000"/>
+              </a:schemeClr>
+            </a:gs>
+            <a:gs pos="100000">
+              <a:schemeClr val="phClr">
+                <a:shade val="30000"/>
+                <a:satMod val="200000"/>
+              </a:schemeClr>
+            </a:gs>
+          </a:gsLst>
+          <a:path path="circle">
+            <a:fillToRect b="50000" l="50000" r="50000" t="50000"/>
+          </a:path>
+        </a:gradFill>
+      </a:bgFillStyleLst>
+    </a:fmtScheme>
+  </a:themeElements>
+</a:theme>
 </file>